--- a/docs/diagrams/UiComponentClassDiagram.pptx
+++ b/docs/diagrams/UiComponentClassDiagram.pptx
@@ -208,7 +208,7 @@
           <a:p>
             <a:fld id="{F5CC4B3F-88C1-4FFA-B1B6-F41C21DC6924}" type="datetimeFigureOut">
               <a:rPr lang="en-US" smtClean="0"/>
-              <a:t>1/7/2017</a:t>
+              <a:t>10/31/2017</a:t>
             </a:fld>
             <a:endParaRPr lang="en-US"/>
           </a:p>
@@ -654,7 +654,7 @@
           <a:p>
             <a:fld id="{78C97017-6FC3-485B-9764-EAC9E56C1D49}" type="datetimeFigureOut">
               <a:rPr lang="en-US" smtClean="0"/>
-              <a:t>1/7/2017</a:t>
+              <a:t>10/31/2017</a:t>
             </a:fld>
             <a:endParaRPr lang="en-US"/>
           </a:p>
@@ -822,7 +822,7 @@
           <a:p>
             <a:fld id="{78C97017-6FC3-485B-9764-EAC9E56C1D49}" type="datetimeFigureOut">
               <a:rPr lang="en-US" smtClean="0"/>
-              <a:t>1/7/2017</a:t>
+              <a:t>10/31/2017</a:t>
             </a:fld>
             <a:endParaRPr lang="en-US"/>
           </a:p>
@@ -1000,7 +1000,7 @@
           <a:p>
             <a:fld id="{78C97017-6FC3-485B-9764-EAC9E56C1D49}" type="datetimeFigureOut">
               <a:rPr lang="en-US" smtClean="0"/>
-              <a:t>1/7/2017</a:t>
+              <a:t>10/31/2017</a:t>
             </a:fld>
             <a:endParaRPr lang="en-US"/>
           </a:p>
@@ -1168,7 +1168,7 @@
           <a:p>
             <a:fld id="{78C97017-6FC3-485B-9764-EAC9E56C1D49}" type="datetimeFigureOut">
               <a:rPr lang="en-US" smtClean="0"/>
-              <a:t>1/7/2017</a:t>
+              <a:t>10/31/2017</a:t>
             </a:fld>
             <a:endParaRPr lang="en-US"/>
           </a:p>
@@ -1413,7 +1413,7 @@
           <a:p>
             <a:fld id="{78C97017-6FC3-485B-9764-EAC9E56C1D49}" type="datetimeFigureOut">
               <a:rPr lang="en-US" smtClean="0"/>
-              <a:t>1/7/2017</a:t>
+              <a:t>10/31/2017</a:t>
             </a:fld>
             <a:endParaRPr lang="en-US"/>
           </a:p>
@@ -1698,7 +1698,7 @@
           <a:p>
             <a:fld id="{78C97017-6FC3-485B-9764-EAC9E56C1D49}" type="datetimeFigureOut">
               <a:rPr lang="en-US" smtClean="0"/>
-              <a:t>1/7/2017</a:t>
+              <a:t>10/31/2017</a:t>
             </a:fld>
             <a:endParaRPr lang="en-US"/>
           </a:p>
@@ -2117,7 +2117,7 @@
           <a:p>
             <a:fld id="{78C97017-6FC3-485B-9764-EAC9E56C1D49}" type="datetimeFigureOut">
               <a:rPr lang="en-US" smtClean="0"/>
-              <a:t>1/7/2017</a:t>
+              <a:t>10/31/2017</a:t>
             </a:fld>
             <a:endParaRPr lang="en-US"/>
           </a:p>
@@ -2234,7 +2234,7 @@
           <a:p>
             <a:fld id="{78C97017-6FC3-485B-9764-EAC9E56C1D49}" type="datetimeFigureOut">
               <a:rPr lang="en-US" smtClean="0"/>
-              <a:t>1/7/2017</a:t>
+              <a:t>10/31/2017</a:t>
             </a:fld>
             <a:endParaRPr lang="en-US"/>
           </a:p>
@@ -2329,7 +2329,7 @@
           <a:p>
             <a:fld id="{78C97017-6FC3-485B-9764-EAC9E56C1D49}" type="datetimeFigureOut">
               <a:rPr lang="en-US" smtClean="0"/>
-              <a:t>1/7/2017</a:t>
+              <a:t>10/31/2017</a:t>
             </a:fld>
             <a:endParaRPr lang="en-US"/>
           </a:p>
@@ -2604,7 +2604,7 @@
           <a:p>
             <a:fld id="{78C97017-6FC3-485B-9764-EAC9E56C1D49}" type="datetimeFigureOut">
               <a:rPr lang="en-US" smtClean="0"/>
-              <a:t>1/7/2017</a:t>
+              <a:t>10/31/2017</a:t>
             </a:fld>
             <a:endParaRPr lang="en-US"/>
           </a:p>
@@ -2856,7 +2856,7 @@
           <a:p>
             <a:fld id="{78C97017-6FC3-485B-9764-EAC9E56C1D49}" type="datetimeFigureOut">
               <a:rPr lang="en-US" smtClean="0"/>
-              <a:t>1/7/2017</a:t>
+              <a:t>10/31/2017</a:t>
             </a:fld>
             <a:endParaRPr lang="en-US"/>
           </a:p>
@@ -3067,7 +3067,7 @@
           <a:p>
             <a:fld id="{78C97017-6FC3-485B-9764-EAC9E56C1D49}" type="datetimeFigureOut">
               <a:rPr lang="en-US" smtClean="0"/>
-              <a:t>1/7/2017</a:t>
+              <a:t>10/31/2017</a:t>
             </a:fld>
             <a:endParaRPr lang="en-US"/>
           </a:p>
@@ -3450,8 +3450,8 @@
         </p:nvSpPr>
         <p:spPr>
           <a:xfrm>
-            <a:off x="1217465" y="1447800"/>
-            <a:ext cx="4917083" cy="3962400"/>
+            <a:off x="1227619" y="1447798"/>
+            <a:ext cx="4917083" cy="4572002"/>
           </a:xfrm>
           <a:prstGeom prst="roundRect">
             <a:avLst>
@@ -3573,7 +3573,7 @@
         <p:spPr>
           <a:xfrm>
             <a:off x="2592528" y="2971800"/>
-            <a:ext cx="1093635" cy="236841"/>
+            <a:ext cx="1598470" cy="236841"/>
           </a:xfrm>
           <a:prstGeom prst="rect">
             <a:avLst/>
@@ -3886,7 +3886,7 @@
         <p:spPr>
           <a:xfrm>
             <a:off x="2592528" y="3649359"/>
-            <a:ext cx="1093635" cy="236841"/>
+            <a:ext cx="1598472" cy="236841"/>
           </a:xfrm>
           <a:prstGeom prst="rect">
             <a:avLst/>
@@ -3925,7 +3925,7 @@
                   </a:schemeClr>
                 </a:solidFill>
               </a:rPr>
-              <a:t>BrowserPanel</a:t>
+              <a:t>InstagramBrowserPanel</a:t>
             </a:r>
             <a:endParaRPr lang="en-SG" sz="1050" b="1" dirty="0">
               <a:solidFill>
@@ -3945,7 +3945,7 @@
         </p:nvSpPr>
         <p:spPr>
           <a:xfrm>
-            <a:off x="2592527" y="4563759"/>
+            <a:off x="2592527" y="4944759"/>
             <a:ext cx="1093635" cy="236841"/>
           </a:xfrm>
           <a:prstGeom prst="rect">
@@ -4005,7 +4005,7 @@
         </p:nvSpPr>
         <p:spPr>
           <a:xfrm>
-            <a:off x="2592526" y="3991960"/>
+            <a:off x="2592526" y="4523052"/>
             <a:ext cx="1093635" cy="236841"/>
           </a:xfrm>
           <a:prstGeom prst="rect">
@@ -4065,7 +4065,7 @@
         </p:nvSpPr>
         <p:spPr>
           <a:xfrm>
-            <a:off x="3839323" y="4228801"/>
+            <a:off x="3839323" y="4759893"/>
             <a:ext cx="1040906" cy="236841"/>
           </a:xfrm>
           <a:prstGeom prst="rect">
@@ -4125,7 +4125,7 @@
         </p:nvSpPr>
         <p:spPr>
           <a:xfrm>
-            <a:off x="2592528" y="4966000"/>
+            <a:off x="2593583" y="5327797"/>
             <a:ext cx="1093635" cy="236841"/>
           </a:xfrm>
           <a:prstGeom prst="rect">
@@ -4165,7 +4165,7 @@
                   </a:schemeClr>
                 </a:solidFill>
               </a:rPr>
-              <a:t>HelpWindow</a:t>
+              <a:t>HelpPanel</a:t>
             </a:r>
             <a:endParaRPr lang="en-SG" sz="1050" b="1" dirty="0">
               <a:solidFill>
@@ -4229,6 +4229,7 @@
         <p:nvCxnSpPr>
           <p:cNvPr id="40" name="Elbow Connector 63"/>
           <p:cNvCxnSpPr>
+            <a:cxnSpLocks/>
             <a:stCxn id="39" idx="2"/>
             <a:endCxn id="3" idx="1"/>
           </p:cNvCxnSpPr>
@@ -4274,8 +4275,8 @@
         </p:nvSpPr>
         <p:spPr>
           <a:xfrm>
-            <a:off x="2590799" y="3304308"/>
-            <a:ext cx="1095361" cy="236841"/>
+            <a:off x="2590798" y="3304308"/>
+            <a:ext cx="1600201" cy="236841"/>
           </a:xfrm>
           <a:prstGeom prst="rect">
             <a:avLst/>
@@ -4330,6 +4331,7 @@
         <p:nvCxnSpPr>
           <p:cNvPr id="44" name="Elbow Connector 63"/>
           <p:cNvCxnSpPr>
+            <a:cxnSpLocks/>
             <a:stCxn id="39" idx="2"/>
             <a:endCxn id="34" idx="1"/>
           </p:cNvCxnSpPr>
@@ -4371,6 +4373,7 @@
         <p:nvCxnSpPr>
           <p:cNvPr id="47" name="Elbow Connector 63"/>
           <p:cNvCxnSpPr>
+            <a:cxnSpLocks/>
             <a:stCxn id="39" idx="2"/>
             <a:endCxn id="36" idx="1"/>
           </p:cNvCxnSpPr>
@@ -4378,8 +4381,8 @@
         </p:nvCxnSpPr>
         <p:spPr>
           <a:xfrm rot="16200000" flipH="1">
-            <a:off x="1883148" y="3401003"/>
-            <a:ext cx="1242356" cy="176400"/>
+            <a:off x="1617602" y="3666549"/>
+            <a:ext cx="1773448" cy="176400"/>
           </a:xfrm>
           <a:prstGeom prst="bentConnector2">
             <a:avLst/>
@@ -4419,48 +4422,8 @@
         </p:nvCxnSpPr>
         <p:spPr>
           <a:xfrm rot="16200000" flipH="1">
-            <a:off x="1597249" y="3686901"/>
-            <a:ext cx="1814155" cy="176401"/>
-          </a:xfrm>
-          <a:prstGeom prst="bentConnector2">
-            <a:avLst/>
-          </a:prstGeom>
-          <a:ln w="19050">
-            <a:solidFill>
-              <a:schemeClr val="accent3"/>
-            </a:solidFill>
-            <a:headEnd type="none" w="med" len="med"/>
-            <a:tailEnd type="arrow" w="med" len="med"/>
-          </a:ln>
-          <a:effectLst/>
-        </p:spPr>
-        <p:style>
-          <a:lnRef idx="1">
-            <a:schemeClr val="accent2"/>
-          </a:lnRef>
-          <a:fillRef idx="2">
-            <a:schemeClr val="accent2"/>
-          </a:fillRef>
-          <a:effectRef idx="1">
-            <a:schemeClr val="accent2"/>
-          </a:effectRef>
-          <a:fontRef idx="minor">
-            <a:schemeClr val="dk1"/>
-          </a:fontRef>
-        </p:style>
-      </p:cxnSp>
-      <p:cxnSp>
-        <p:nvCxnSpPr>
-          <p:cNvPr id="53" name="Elbow Connector 63"/>
-          <p:cNvCxnSpPr>
-            <a:endCxn id="38" idx="1"/>
-          </p:cNvCxnSpPr>
-          <p:nvPr/>
-        </p:nvCxnSpPr>
-        <p:spPr>
-          <a:xfrm rot="16200000" flipH="1">
-            <a:off x="1184119" y="3676012"/>
-            <a:ext cx="2396440" cy="420377"/>
+            <a:off x="1406749" y="3877401"/>
+            <a:ext cx="2195155" cy="176401"/>
           </a:xfrm>
           <a:prstGeom prst="bentConnector2">
             <a:avLst/>
@@ -4572,6 +4535,7 @@
         <p:nvCxnSpPr>
           <p:cNvPr id="74" name="Elbow Connector 63"/>
           <p:cNvCxnSpPr>
+            <a:cxnSpLocks/>
             <a:stCxn id="43" idx="3"/>
             <a:endCxn id="16" idx="3"/>
           </p:cNvCxnSpPr>
@@ -4579,8 +4543,8 @@
         </p:nvCxnSpPr>
         <p:spPr>
           <a:xfrm flipV="1">
-            <a:off x="3686160" y="2286000"/>
-            <a:ext cx="1843809" cy="1136729"/>
+            <a:off x="4190999" y="2286000"/>
+            <a:ext cx="1338970" cy="1136729"/>
           </a:xfrm>
           <a:prstGeom prst="bentConnector2">
             <a:avLst/>
@@ -4620,8 +4584,8 @@
         </p:nvCxnSpPr>
         <p:spPr>
           <a:xfrm rot="5400000">
-            <a:off x="4174488" y="2991741"/>
-            <a:ext cx="2061222" cy="649740"/>
+            <a:off x="3908942" y="3257287"/>
+            <a:ext cx="2592314" cy="649740"/>
           </a:xfrm>
           <a:prstGeom prst="bentConnector2">
             <a:avLst/>
@@ -4654,6 +4618,7 @@
         <p:nvCxnSpPr>
           <p:cNvPr id="82" name="Elbow Connector 63"/>
           <p:cNvCxnSpPr>
+            <a:cxnSpLocks/>
             <a:stCxn id="16" idx="3"/>
             <a:endCxn id="34" idx="3"/>
           </p:cNvCxnSpPr>
@@ -4661,8 +4626,8 @@
         </p:nvCxnSpPr>
         <p:spPr>
           <a:xfrm rot="5400000">
-            <a:off x="3867176" y="2104987"/>
-            <a:ext cx="1481780" cy="1843806"/>
+            <a:off x="4119595" y="2357406"/>
+            <a:ext cx="1481780" cy="1338969"/>
           </a:xfrm>
           <a:prstGeom prst="bentConnector2">
             <a:avLst/>
@@ -4743,8 +4708,8 @@
         </p:nvCxnSpPr>
         <p:spPr>
           <a:xfrm rot="5400000">
-            <a:off x="3409976" y="2562187"/>
-            <a:ext cx="2396180" cy="1843807"/>
+            <a:off x="3219476" y="2752687"/>
+            <a:ext cx="2777180" cy="1843807"/>
           </a:xfrm>
           <a:prstGeom prst="bentConnector2">
             <a:avLst/>
@@ -4777,6 +4742,7 @@
         <p:nvCxnSpPr>
           <p:cNvPr id="94" name="Elbow Connector 63"/>
           <p:cNvCxnSpPr>
+            <a:cxnSpLocks/>
             <a:stCxn id="16" idx="3"/>
             <a:endCxn id="38" idx="3"/>
           </p:cNvCxnSpPr>
@@ -4784,8 +4750,8 @@
         </p:nvCxnSpPr>
         <p:spPr>
           <a:xfrm rot="5400000">
-            <a:off x="3208856" y="2763307"/>
-            <a:ext cx="2798421" cy="1843806"/>
+            <a:off x="3028485" y="2944734"/>
+            <a:ext cx="3160218" cy="1842751"/>
           </a:xfrm>
           <a:prstGeom prst="bentConnector2">
             <a:avLst/>
@@ -4863,8 +4829,8 @@
         </p:nvSpPr>
         <p:spPr>
           <a:xfrm rot="16200000">
-            <a:off x="6213739" y="4560376"/>
-            <a:ext cx="1371599" cy="328045"/>
+            <a:off x="5908938" y="4865175"/>
+            <a:ext cx="1981202" cy="328045"/>
           </a:xfrm>
           <a:prstGeom prst="roundRect">
             <a:avLst/>
@@ -5079,6 +5045,7 @@
         <p:nvCxnSpPr>
           <p:cNvPr id="131" name="Elbow Connector 130"/>
           <p:cNvCxnSpPr>
+            <a:cxnSpLocks/>
             <a:stCxn id="39" idx="2"/>
             <a:endCxn id="43" idx="1"/>
           </p:cNvCxnSpPr>
@@ -5086,8 +5053,8 @@
         </p:nvCxnSpPr>
         <p:spPr>
           <a:xfrm rot="16200000" flipH="1">
-            <a:off x="2226110" y="3058040"/>
-            <a:ext cx="554704" cy="174673"/>
+            <a:off x="2226110" y="3058041"/>
+            <a:ext cx="554704" cy="174672"/>
           </a:xfrm>
           <a:prstGeom prst="bentConnector2">
             <a:avLst/>
@@ -5120,6 +5087,7 @@
         <p:nvCxnSpPr>
           <p:cNvPr id="132" name="Elbow Connector 63"/>
           <p:cNvCxnSpPr>
+            <a:cxnSpLocks/>
             <a:stCxn id="16" idx="3"/>
             <a:endCxn id="3" idx="3"/>
           </p:cNvCxnSpPr>
@@ -5127,8 +5095,8 @@
         </p:nvCxnSpPr>
         <p:spPr>
           <a:xfrm rot="5400000">
-            <a:off x="4205956" y="1766207"/>
-            <a:ext cx="804221" cy="1843806"/>
+            <a:off x="4458374" y="2018625"/>
+            <a:ext cx="804221" cy="1338971"/>
           </a:xfrm>
           <a:prstGeom prst="bentConnector2">
             <a:avLst/>
@@ -5161,6 +5129,7 @@
         <p:nvCxnSpPr>
           <p:cNvPr id="137" name="Elbow Connector 136"/>
           <p:cNvCxnSpPr>
+            <a:cxnSpLocks/>
             <a:stCxn id="36" idx="2"/>
             <a:endCxn id="37" idx="1"/>
           </p:cNvCxnSpPr>
@@ -5168,7 +5137,7 @@
         </p:nvCxnSpPr>
         <p:spPr>
           <a:xfrm rot="16200000" flipH="1">
-            <a:off x="3430123" y="3938021"/>
+            <a:off x="3430123" y="4469113"/>
             <a:ext cx="118421" cy="699979"/>
           </a:xfrm>
           <a:prstGeom prst="bentConnector2">
@@ -5202,6 +5171,7 @@
         <p:nvCxnSpPr>
           <p:cNvPr id="140" name="Elbow Connector 63"/>
           <p:cNvCxnSpPr>
+            <a:cxnSpLocks/>
             <a:stCxn id="16" idx="3"/>
             <a:endCxn id="36" idx="3"/>
           </p:cNvCxnSpPr>
@@ -5209,8 +5179,8 @@
         </p:nvCxnSpPr>
         <p:spPr>
           <a:xfrm rot="5400000">
-            <a:off x="3695875" y="2276286"/>
-            <a:ext cx="1824381" cy="1843808"/>
+            <a:off x="3430329" y="2541832"/>
+            <a:ext cx="2355473" cy="1843808"/>
           </a:xfrm>
           <a:prstGeom prst="bentConnector2">
             <a:avLst/>
@@ -5300,8 +5270,8 @@
         </p:nvSpPr>
         <p:spPr>
           <a:xfrm>
-            <a:off x="3687515" y="2828802"/>
-            <a:ext cx="3048000" cy="203200"/>
+            <a:off x="3733799" y="2828802"/>
+            <a:ext cx="3001715" cy="142997"/>
           </a:xfrm>
           <a:custGeom>
             <a:avLst/>
@@ -5382,7 +5352,7 @@
         </p:nvSpPr>
         <p:spPr>
           <a:xfrm>
-            <a:off x="5431573" y="4488138"/>
+            <a:off x="5431573" y="5021538"/>
             <a:ext cx="229325" cy="160062"/>
           </a:xfrm>
           <a:prstGeom prst="rect">
@@ -5435,7 +5405,7 @@
         </p:nvSpPr>
         <p:spPr>
           <a:xfrm flipV="1">
-            <a:off x="4114799" y="4472708"/>
+            <a:off x="4114799" y="5003800"/>
             <a:ext cx="2642195" cy="101600"/>
           </a:xfrm>
           <a:custGeom>
@@ -5509,6 +5479,485 @@
           </a:p>
         </p:txBody>
       </p:sp>
+      <p:sp>
+        <p:nvSpPr>
+          <p:cNvPr id="54" name="Rectangle 11"/>
+          <p:cNvSpPr/>
+          <p:nvPr/>
+        </p:nvSpPr>
+        <p:spPr>
+          <a:xfrm>
+            <a:off x="2590798" y="3993927"/>
+            <a:ext cx="1600202" cy="236841"/>
+          </a:xfrm>
+          <a:prstGeom prst="rect">
+            <a:avLst/>
+          </a:prstGeom>
+          <a:ln w="19050">
+            <a:solidFill>
+              <a:schemeClr val="accent3"/>
+            </a:solidFill>
+          </a:ln>
+          <a:effectLst/>
+        </p:spPr>
+        <p:style>
+          <a:lnRef idx="1">
+            <a:schemeClr val="accent3"/>
+          </a:lnRef>
+          <a:fillRef idx="2">
+            <a:schemeClr val="accent3"/>
+          </a:fillRef>
+          <a:effectRef idx="1">
+            <a:schemeClr val="accent3"/>
+          </a:effectRef>
+          <a:fontRef idx="minor">
+            <a:schemeClr val="dk1"/>
+          </a:fontRef>
+        </p:style>
+        <p:txBody>
+          <a:bodyPr rtlCol="0" anchor="ctr"/>
+          <a:lstStyle/>
+          <a:p>
+            <a:pPr algn="ctr"/>
+            <a:r>
+              <a:rPr lang="en-US" sz="1050" b="1" dirty="0" err="1">
+                <a:solidFill>
+                  <a:schemeClr val="accent3">
+                    <a:lumMod val="75000"/>
+                  </a:schemeClr>
+                </a:solidFill>
+              </a:rPr>
+              <a:t>GoogleMapBrowserPanel</a:t>
+            </a:r>
+            <a:endParaRPr lang="en-SG" sz="1050" b="1" dirty="0">
+              <a:solidFill>
+                <a:schemeClr val="accent3">
+                  <a:lumMod val="75000"/>
+                </a:schemeClr>
+              </a:solidFill>
+            </a:endParaRPr>
+          </a:p>
+        </p:txBody>
+      </p:sp>
+      <p:sp>
+        <p:nvSpPr>
+          <p:cNvPr id="70" name="Rectangle 11"/>
+          <p:cNvSpPr/>
+          <p:nvPr/>
+        </p:nvSpPr>
+        <p:spPr>
+          <a:xfrm>
+            <a:off x="3839322" y="4333769"/>
+            <a:ext cx="1304625" cy="236841"/>
+          </a:xfrm>
+          <a:prstGeom prst="rect">
+            <a:avLst/>
+          </a:prstGeom>
+          <a:ln w="19050">
+            <a:solidFill>
+              <a:schemeClr val="accent3"/>
+            </a:solidFill>
+          </a:ln>
+          <a:effectLst/>
+        </p:spPr>
+        <p:style>
+          <a:lnRef idx="1">
+            <a:schemeClr val="accent3"/>
+          </a:lnRef>
+          <a:fillRef idx="2">
+            <a:schemeClr val="accent3"/>
+          </a:fillRef>
+          <a:effectRef idx="1">
+            <a:schemeClr val="accent3"/>
+          </a:effectRef>
+          <a:fontRef idx="minor">
+            <a:schemeClr val="dk1"/>
+          </a:fontRef>
+        </p:style>
+        <p:txBody>
+          <a:bodyPr rtlCol="0" anchor="ctr"/>
+          <a:lstStyle/>
+          <a:p>
+            <a:pPr algn="ctr"/>
+            <a:r>
+              <a:rPr lang="en-US" sz="1050" b="1" dirty="0" err="1">
+                <a:solidFill>
+                  <a:schemeClr val="accent3">
+                    <a:lumMod val="75000"/>
+                  </a:schemeClr>
+                </a:solidFill>
+              </a:rPr>
+              <a:t>PersonDetailsPanel</a:t>
+            </a:r>
+            <a:endParaRPr lang="en-SG" sz="1050" b="1" dirty="0">
+              <a:solidFill>
+                <a:schemeClr val="accent3">
+                  <a:lumMod val="75000"/>
+                </a:schemeClr>
+              </a:solidFill>
+            </a:endParaRPr>
+          </a:p>
+        </p:txBody>
+      </p:sp>
+      <p:cxnSp>
+        <p:nvCxnSpPr>
+          <p:cNvPr id="71" name="Elbow Connector 136"/>
+          <p:cNvCxnSpPr>
+            <a:cxnSpLocks/>
+            <a:stCxn id="36" idx="0"/>
+          </p:cNvCxnSpPr>
+          <p:nvPr/>
+        </p:nvCxnSpPr>
+        <p:spPr>
+          <a:xfrm rot="5400000" flipH="1" flipV="1">
+            <a:off x="3464314" y="4127218"/>
+            <a:ext cx="70864" cy="720804"/>
+          </a:xfrm>
+          <a:prstGeom prst="bentConnector2">
+            <a:avLst/>
+          </a:prstGeom>
+          <a:ln w="19050">
+            <a:solidFill>
+              <a:schemeClr val="accent3"/>
+            </a:solidFill>
+            <a:headEnd type="none" w="med" len="med"/>
+            <a:tailEnd type="arrow" w="med" len="med"/>
+          </a:ln>
+          <a:effectLst/>
+        </p:spPr>
+        <p:style>
+          <a:lnRef idx="1">
+            <a:schemeClr val="accent2"/>
+          </a:lnRef>
+          <a:fillRef idx="2">
+            <a:schemeClr val="accent2"/>
+          </a:fillRef>
+          <a:effectRef idx="1">
+            <a:schemeClr val="accent2"/>
+          </a:effectRef>
+          <a:fontRef idx="minor">
+            <a:schemeClr val="dk1"/>
+          </a:fontRef>
+        </p:style>
+      </p:cxnSp>
+      <p:sp>
+        <p:nvSpPr>
+          <p:cNvPr id="76" name="Rectangle 75"/>
+          <p:cNvSpPr/>
+          <p:nvPr/>
+        </p:nvSpPr>
+        <p:spPr>
+          <a:xfrm>
+            <a:off x="5395614" y="4166032"/>
+            <a:ext cx="229325" cy="160062"/>
+          </a:xfrm>
+          <a:prstGeom prst="rect">
+            <a:avLst/>
+          </a:prstGeom>
+          <a:solidFill>
+            <a:schemeClr val="accent3">
+              <a:lumMod val="20000"/>
+              <a:lumOff val="80000"/>
+              <a:alpha val="80000"/>
+            </a:schemeClr>
+          </a:solidFill>
+          <a:ln>
+            <a:noFill/>
+          </a:ln>
+          <a:effectLst>
+            <a:softEdge rad="31750"/>
+          </a:effectLst>
+        </p:spPr>
+        <p:style>
+          <a:lnRef idx="2">
+            <a:schemeClr val="accent1">
+              <a:shade val="50000"/>
+            </a:schemeClr>
+          </a:lnRef>
+          <a:fillRef idx="1">
+            <a:schemeClr val="accent1"/>
+          </a:fillRef>
+          <a:effectRef idx="0">
+            <a:schemeClr val="accent1"/>
+          </a:effectRef>
+          <a:fontRef idx="minor">
+            <a:schemeClr val="lt1"/>
+          </a:fontRef>
+        </p:style>
+        <p:txBody>
+          <a:bodyPr rtlCol="0" anchor="ctr"/>
+          <a:lstStyle/>
+          <a:p>
+            <a:pPr algn="ctr"/>
+            <a:endParaRPr lang="en-SG"/>
+          </a:p>
+        </p:txBody>
+      </p:sp>
+      <p:sp>
+        <p:nvSpPr>
+          <p:cNvPr id="75" name="Freeform 117"/>
+          <p:cNvSpPr/>
+          <p:nvPr/>
+        </p:nvSpPr>
+        <p:spPr>
+          <a:xfrm>
+            <a:off x="4953000" y="4216400"/>
+            <a:ext cx="1803995" cy="108676"/>
+          </a:xfrm>
+          <a:custGeom>
+            <a:avLst/>
+            <a:gdLst>
+              <a:gd name="connsiteX0" fmla="*/ 0 w 3048000"/>
+              <a:gd name="connsiteY0" fmla="*/ 203200 h 203200"/>
+              <a:gd name="connsiteX1" fmla="*/ 221673 w 3048000"/>
+              <a:gd name="connsiteY1" fmla="*/ 0 h 203200"/>
+              <a:gd name="connsiteX2" fmla="*/ 3048000 w 3048000"/>
+              <a:gd name="connsiteY2" fmla="*/ 0 h 203200"/>
+            </a:gdLst>
+            <a:ahLst/>
+            <a:cxnLst>
+              <a:cxn ang="0">
+                <a:pos x="connsiteX0" y="connsiteY0"/>
+              </a:cxn>
+              <a:cxn ang="0">
+                <a:pos x="connsiteX1" y="connsiteY1"/>
+              </a:cxn>
+              <a:cxn ang="0">
+                <a:pos x="connsiteX2" y="connsiteY2"/>
+              </a:cxn>
+            </a:cxnLst>
+            <a:rect l="l" t="t" r="r" b="b"/>
+            <a:pathLst>
+              <a:path w="3048000" h="203200">
+                <a:moveTo>
+                  <a:pt x="0" y="203200"/>
+                </a:moveTo>
+                <a:lnTo>
+                  <a:pt x="221673" y="0"/>
+                </a:lnTo>
+                <a:lnTo>
+                  <a:pt x="3048000" y="0"/>
+                </a:lnTo>
+              </a:path>
+            </a:pathLst>
+          </a:custGeom>
+          <a:noFill/>
+          <a:ln w="19050">
+            <a:solidFill>
+              <a:schemeClr val="accent3"/>
+            </a:solidFill>
+            <a:prstDash val="sysDot"/>
+            <a:headEnd type="none" w="med" len="med"/>
+            <a:tailEnd type="arrow" w="med" len="med"/>
+          </a:ln>
+          <a:effectLst/>
+        </p:spPr>
+        <p:style>
+          <a:lnRef idx="1">
+            <a:schemeClr val="accent2"/>
+          </a:lnRef>
+          <a:fillRef idx="2">
+            <a:schemeClr val="accent2"/>
+          </a:fillRef>
+          <a:effectRef idx="1">
+            <a:schemeClr val="accent2"/>
+          </a:effectRef>
+          <a:fontRef idx="minor">
+            <a:schemeClr val="dk1"/>
+          </a:fontRef>
+        </p:style>
+        <p:txBody>
+          <a:bodyPr rtlCol="0" anchor="ctr"/>
+          <a:lstStyle/>
+          <a:p>
+            <a:pPr algn="ctr"/>
+            <a:endParaRPr lang="en-SG"/>
+          </a:p>
+        </p:txBody>
+      </p:sp>
+      <p:cxnSp>
+        <p:nvCxnSpPr>
+          <p:cNvPr id="78" name="Elbow Connector 63"/>
+          <p:cNvCxnSpPr>
+            <a:cxnSpLocks/>
+            <a:endCxn id="38" idx="1"/>
+          </p:cNvCxnSpPr>
+          <p:nvPr/>
+        </p:nvCxnSpPr>
+        <p:spPr>
+          <a:xfrm rot="16200000" flipH="1">
+            <a:off x="1221442" y="4074076"/>
+            <a:ext cx="2557681" cy="186602"/>
+          </a:xfrm>
+          <a:prstGeom prst="bentConnector2">
+            <a:avLst/>
+          </a:prstGeom>
+          <a:ln w="19050">
+            <a:solidFill>
+              <a:schemeClr val="accent3"/>
+            </a:solidFill>
+            <a:headEnd type="none" w="med" len="med"/>
+            <a:tailEnd type="arrow" w="med" len="med"/>
+          </a:ln>
+          <a:effectLst/>
+        </p:spPr>
+        <p:style>
+          <a:lnRef idx="1">
+            <a:schemeClr val="accent2"/>
+          </a:lnRef>
+          <a:fillRef idx="2">
+            <a:schemeClr val="accent2"/>
+          </a:fillRef>
+          <a:effectRef idx="1">
+            <a:schemeClr val="accent2"/>
+          </a:effectRef>
+          <a:fontRef idx="minor">
+            <a:schemeClr val="dk1"/>
+          </a:fontRef>
+        </p:style>
+      </p:cxnSp>
+      <p:sp>
+        <p:nvSpPr>
+          <p:cNvPr id="81" name="Rectangle 11"/>
+          <p:cNvSpPr/>
+          <p:nvPr/>
+        </p:nvSpPr>
+        <p:spPr>
+          <a:xfrm>
+            <a:off x="2590798" y="5663782"/>
+            <a:ext cx="1093635" cy="236841"/>
+          </a:xfrm>
+          <a:prstGeom prst="rect">
+            <a:avLst/>
+          </a:prstGeom>
+          <a:ln w="19050">
+            <a:solidFill>
+              <a:schemeClr val="accent3"/>
+            </a:solidFill>
+          </a:ln>
+          <a:effectLst/>
+        </p:spPr>
+        <p:style>
+          <a:lnRef idx="1">
+            <a:schemeClr val="accent3"/>
+          </a:lnRef>
+          <a:fillRef idx="2">
+            <a:schemeClr val="accent3"/>
+          </a:fillRef>
+          <a:effectRef idx="1">
+            <a:schemeClr val="accent3"/>
+          </a:effectRef>
+          <a:fontRef idx="minor">
+            <a:schemeClr val="dk1"/>
+          </a:fontRef>
+        </p:style>
+        <p:txBody>
+          <a:bodyPr rtlCol="0" anchor="ctr"/>
+          <a:lstStyle/>
+          <a:p>
+            <a:pPr algn="ctr"/>
+            <a:r>
+              <a:rPr lang="en-US" sz="1050" b="1" dirty="0" err="1">
+                <a:solidFill>
+                  <a:schemeClr val="accent3">
+                    <a:lumMod val="75000"/>
+                  </a:schemeClr>
+                </a:solidFill>
+              </a:rPr>
+              <a:t>HomePanel</a:t>
+            </a:r>
+            <a:endParaRPr lang="en-SG" sz="1050" b="1" dirty="0">
+              <a:solidFill>
+                <a:schemeClr val="accent3">
+                  <a:lumMod val="75000"/>
+                </a:schemeClr>
+              </a:solidFill>
+            </a:endParaRPr>
+          </a:p>
+        </p:txBody>
+      </p:sp>
+      <p:cxnSp>
+        <p:nvCxnSpPr>
+          <p:cNvPr id="83" name="Elbow Connector 63"/>
+          <p:cNvCxnSpPr>
+            <a:cxnSpLocks/>
+          </p:cNvCxnSpPr>
+          <p:nvPr/>
+        </p:nvCxnSpPr>
+        <p:spPr>
+          <a:xfrm rot="16200000" flipH="1">
+            <a:off x="1222499" y="4429751"/>
+            <a:ext cx="2557681" cy="186602"/>
+          </a:xfrm>
+          <a:prstGeom prst="bentConnector2">
+            <a:avLst/>
+          </a:prstGeom>
+          <a:ln w="19050">
+            <a:solidFill>
+              <a:schemeClr val="accent3"/>
+            </a:solidFill>
+            <a:headEnd type="none" w="med" len="med"/>
+            <a:tailEnd type="arrow" w="med" len="med"/>
+          </a:ln>
+          <a:effectLst/>
+        </p:spPr>
+        <p:style>
+          <a:lnRef idx="1">
+            <a:schemeClr val="accent2"/>
+          </a:lnRef>
+          <a:fillRef idx="2">
+            <a:schemeClr val="accent2"/>
+          </a:fillRef>
+          <a:effectRef idx="1">
+            <a:schemeClr val="accent2"/>
+          </a:effectRef>
+          <a:fontRef idx="minor">
+            <a:schemeClr val="dk1"/>
+          </a:fontRef>
+        </p:style>
+      </p:cxnSp>
+      <p:cxnSp>
+        <p:nvCxnSpPr>
+          <p:cNvPr id="84" name="Elbow Connector 63"/>
+          <p:cNvCxnSpPr>
+            <a:cxnSpLocks/>
+            <a:stCxn id="16" idx="3"/>
+            <a:endCxn id="81" idx="3"/>
+          </p:cNvCxnSpPr>
+          <p:nvPr/>
+        </p:nvCxnSpPr>
+        <p:spPr>
+          <a:xfrm rot="5400000">
+            <a:off x="2859100" y="3111333"/>
+            <a:ext cx="3496203" cy="1845536"/>
+          </a:xfrm>
+          <a:prstGeom prst="bentConnector2">
+            <a:avLst/>
+          </a:prstGeom>
+          <a:ln w="6350">
+            <a:solidFill>
+              <a:schemeClr val="accent3"/>
+            </a:solidFill>
+            <a:headEnd type="none" w="med" len="med"/>
+            <a:tailEnd type="none" w="med" len="med"/>
+          </a:ln>
+          <a:effectLst/>
+        </p:spPr>
+        <p:style>
+          <a:lnRef idx="1">
+            <a:schemeClr val="accent2"/>
+          </a:lnRef>
+          <a:fillRef idx="2">
+            <a:schemeClr val="accent2"/>
+          </a:fillRef>
+          <a:effectRef idx="1">
+            <a:schemeClr val="accent2"/>
+          </a:effectRef>
+          <a:fontRef idx="minor">
+            <a:schemeClr val="dk1"/>
+          </a:fontRef>
+        </p:style>
+      </p:cxnSp>
     </p:spTree>
     <p:extLst>
       <p:ext uri="{BB962C8B-B14F-4D97-AF65-F5344CB8AC3E}">

--- a/docs/diagrams/UiComponentClassDiagram.pptx
+++ b/docs/diagrams/UiComponentClassDiagram.pptx
@@ -208,7 +208,7 @@
           <a:p>
             <a:fld id="{F5CC4B3F-88C1-4FFA-B1B6-F41C21DC6924}" type="datetimeFigureOut">
               <a:rPr lang="en-US" smtClean="0"/>
-              <a:t>10/31/2017</a:t>
+              <a:t>11/2/2017</a:t>
             </a:fld>
             <a:endParaRPr lang="en-US"/>
           </a:p>
@@ -654,7 +654,7 @@
           <a:p>
             <a:fld id="{78C97017-6FC3-485B-9764-EAC9E56C1D49}" type="datetimeFigureOut">
               <a:rPr lang="en-US" smtClean="0"/>
-              <a:t>10/31/2017</a:t>
+              <a:t>11/2/2017</a:t>
             </a:fld>
             <a:endParaRPr lang="en-US"/>
           </a:p>
@@ -822,7 +822,7 @@
           <a:p>
             <a:fld id="{78C97017-6FC3-485B-9764-EAC9E56C1D49}" type="datetimeFigureOut">
               <a:rPr lang="en-US" smtClean="0"/>
-              <a:t>10/31/2017</a:t>
+              <a:t>11/2/2017</a:t>
             </a:fld>
             <a:endParaRPr lang="en-US"/>
           </a:p>
@@ -1000,7 +1000,7 @@
           <a:p>
             <a:fld id="{78C97017-6FC3-485B-9764-EAC9E56C1D49}" type="datetimeFigureOut">
               <a:rPr lang="en-US" smtClean="0"/>
-              <a:t>10/31/2017</a:t>
+              <a:t>11/2/2017</a:t>
             </a:fld>
             <a:endParaRPr lang="en-US"/>
           </a:p>
@@ -1168,7 +1168,7 @@
           <a:p>
             <a:fld id="{78C97017-6FC3-485B-9764-EAC9E56C1D49}" type="datetimeFigureOut">
               <a:rPr lang="en-US" smtClean="0"/>
-              <a:t>10/31/2017</a:t>
+              <a:t>11/2/2017</a:t>
             </a:fld>
             <a:endParaRPr lang="en-US"/>
           </a:p>
@@ -1413,7 +1413,7 @@
           <a:p>
             <a:fld id="{78C97017-6FC3-485B-9764-EAC9E56C1D49}" type="datetimeFigureOut">
               <a:rPr lang="en-US" smtClean="0"/>
-              <a:t>10/31/2017</a:t>
+              <a:t>11/2/2017</a:t>
             </a:fld>
             <a:endParaRPr lang="en-US"/>
           </a:p>
@@ -1698,7 +1698,7 @@
           <a:p>
             <a:fld id="{78C97017-6FC3-485B-9764-EAC9E56C1D49}" type="datetimeFigureOut">
               <a:rPr lang="en-US" smtClean="0"/>
-              <a:t>10/31/2017</a:t>
+              <a:t>11/2/2017</a:t>
             </a:fld>
             <a:endParaRPr lang="en-US"/>
           </a:p>
@@ -2117,7 +2117,7 @@
           <a:p>
             <a:fld id="{78C97017-6FC3-485B-9764-EAC9E56C1D49}" type="datetimeFigureOut">
               <a:rPr lang="en-US" smtClean="0"/>
-              <a:t>10/31/2017</a:t>
+              <a:t>11/2/2017</a:t>
             </a:fld>
             <a:endParaRPr lang="en-US"/>
           </a:p>
@@ -2234,7 +2234,7 @@
           <a:p>
             <a:fld id="{78C97017-6FC3-485B-9764-EAC9E56C1D49}" type="datetimeFigureOut">
               <a:rPr lang="en-US" smtClean="0"/>
-              <a:t>10/31/2017</a:t>
+              <a:t>11/2/2017</a:t>
             </a:fld>
             <a:endParaRPr lang="en-US"/>
           </a:p>
@@ -2329,7 +2329,7 @@
           <a:p>
             <a:fld id="{78C97017-6FC3-485B-9764-EAC9E56C1D49}" type="datetimeFigureOut">
               <a:rPr lang="en-US" smtClean="0"/>
-              <a:t>10/31/2017</a:t>
+              <a:t>11/2/2017</a:t>
             </a:fld>
             <a:endParaRPr lang="en-US"/>
           </a:p>
@@ -2604,7 +2604,7 @@
           <a:p>
             <a:fld id="{78C97017-6FC3-485B-9764-EAC9E56C1D49}" type="datetimeFigureOut">
               <a:rPr lang="en-US" smtClean="0"/>
-              <a:t>10/31/2017</a:t>
+              <a:t>11/2/2017</a:t>
             </a:fld>
             <a:endParaRPr lang="en-US"/>
           </a:p>
@@ -2856,7 +2856,7 @@
           <a:p>
             <a:fld id="{78C97017-6FC3-485B-9764-EAC9E56C1D49}" type="datetimeFigureOut">
               <a:rPr lang="en-US" smtClean="0"/>
-              <a:t>10/31/2017</a:t>
+              <a:t>11/2/2017</a:t>
             </a:fld>
             <a:endParaRPr lang="en-US"/>
           </a:p>
@@ -3067,7 +3067,7 @@
           <a:p>
             <a:fld id="{78C97017-6FC3-485B-9764-EAC9E56C1D49}" type="datetimeFigureOut">
               <a:rPr lang="en-US" smtClean="0"/>
-              <a:t>10/31/2017</a:t>
+              <a:t>11/2/2017</a:t>
             </a:fld>
             <a:endParaRPr lang="en-US"/>
           </a:p>
@@ -3451,7 +3451,7 @@
         <p:spPr>
           <a:xfrm>
             <a:off x="1227619" y="1447798"/>
-            <a:ext cx="4917083" cy="4572002"/>
+            <a:ext cx="4917083" cy="4876802"/>
           </a:xfrm>
           <a:prstGeom prst="roundRect">
             <a:avLst>
@@ -4126,7 +4126,7 @@
         <p:spPr>
           <a:xfrm>
             <a:off x="2593583" y="5327797"/>
-            <a:ext cx="1093635" cy="236841"/>
+            <a:ext cx="1597415" cy="236841"/>
           </a:xfrm>
           <a:prstGeom prst="rect">
             <a:avLst/>
@@ -4750,8 +4750,8 @@
         </p:nvCxnSpPr>
         <p:spPr>
           <a:xfrm rot="5400000">
-            <a:off x="3028485" y="2944734"/>
-            <a:ext cx="3160218" cy="1842751"/>
+            <a:off x="3280375" y="3196624"/>
+            <a:ext cx="3160218" cy="1338971"/>
           </a:xfrm>
           <a:prstGeom prst="bentConnector2">
             <a:avLst/>
@@ -4829,8 +4829,8 @@
         </p:nvSpPr>
         <p:spPr>
           <a:xfrm rot="16200000">
-            <a:off x="5908938" y="4865175"/>
-            <a:ext cx="1981202" cy="328045"/>
+            <a:off x="5756538" y="5017575"/>
+            <a:ext cx="2286003" cy="328045"/>
           </a:xfrm>
           <a:prstGeom prst="roundRect">
             <a:avLst/>
@@ -5209,6 +5209,800 @@
           </a:fontRef>
         </p:style>
       </p:cxnSp>
+      <p:sp>
+        <p:nvSpPr>
+          <p:cNvPr id="54" name="Rectangle 11"/>
+          <p:cNvSpPr/>
+          <p:nvPr/>
+        </p:nvSpPr>
+        <p:spPr>
+          <a:xfrm>
+            <a:off x="2590798" y="3993927"/>
+            <a:ext cx="1600202" cy="236841"/>
+          </a:xfrm>
+          <a:prstGeom prst="rect">
+            <a:avLst/>
+          </a:prstGeom>
+          <a:ln w="19050">
+            <a:solidFill>
+              <a:schemeClr val="accent3"/>
+            </a:solidFill>
+          </a:ln>
+          <a:effectLst/>
+        </p:spPr>
+        <p:style>
+          <a:lnRef idx="1">
+            <a:schemeClr val="accent3"/>
+          </a:lnRef>
+          <a:fillRef idx="2">
+            <a:schemeClr val="accent3"/>
+          </a:fillRef>
+          <a:effectRef idx="1">
+            <a:schemeClr val="accent3"/>
+          </a:effectRef>
+          <a:fontRef idx="minor">
+            <a:schemeClr val="dk1"/>
+          </a:fontRef>
+        </p:style>
+        <p:txBody>
+          <a:bodyPr rtlCol="0" anchor="ctr"/>
+          <a:lstStyle/>
+          <a:p>
+            <a:pPr algn="ctr"/>
+            <a:r>
+              <a:rPr lang="en-US" sz="1050" b="1" dirty="0" err="1">
+                <a:solidFill>
+                  <a:schemeClr val="accent3">
+                    <a:lumMod val="75000"/>
+                  </a:schemeClr>
+                </a:solidFill>
+              </a:rPr>
+              <a:t>GoogleMapBrowserPanel</a:t>
+            </a:r>
+            <a:endParaRPr lang="en-SG" sz="1050" b="1" dirty="0">
+              <a:solidFill>
+                <a:schemeClr val="accent3">
+                  <a:lumMod val="75000"/>
+                </a:schemeClr>
+              </a:solidFill>
+            </a:endParaRPr>
+          </a:p>
+        </p:txBody>
+      </p:sp>
+      <p:sp>
+        <p:nvSpPr>
+          <p:cNvPr id="70" name="Rectangle 11"/>
+          <p:cNvSpPr/>
+          <p:nvPr/>
+        </p:nvSpPr>
+        <p:spPr>
+          <a:xfrm>
+            <a:off x="3839322" y="4333769"/>
+            <a:ext cx="1304625" cy="236841"/>
+          </a:xfrm>
+          <a:prstGeom prst="rect">
+            <a:avLst/>
+          </a:prstGeom>
+          <a:ln w="19050">
+            <a:solidFill>
+              <a:schemeClr val="accent3"/>
+            </a:solidFill>
+          </a:ln>
+          <a:effectLst/>
+        </p:spPr>
+        <p:style>
+          <a:lnRef idx="1">
+            <a:schemeClr val="accent3"/>
+          </a:lnRef>
+          <a:fillRef idx="2">
+            <a:schemeClr val="accent3"/>
+          </a:fillRef>
+          <a:effectRef idx="1">
+            <a:schemeClr val="accent3"/>
+          </a:effectRef>
+          <a:fontRef idx="minor">
+            <a:schemeClr val="dk1"/>
+          </a:fontRef>
+        </p:style>
+        <p:txBody>
+          <a:bodyPr rtlCol="0" anchor="ctr"/>
+          <a:lstStyle/>
+          <a:p>
+            <a:pPr algn="ctr"/>
+            <a:r>
+              <a:rPr lang="en-US" sz="1050" b="1" dirty="0" err="1">
+                <a:solidFill>
+                  <a:schemeClr val="accent3">
+                    <a:lumMod val="75000"/>
+                  </a:schemeClr>
+                </a:solidFill>
+              </a:rPr>
+              <a:t>PersonDetailsPanel</a:t>
+            </a:r>
+            <a:endParaRPr lang="en-SG" sz="1050" b="1" dirty="0">
+              <a:solidFill>
+                <a:schemeClr val="accent3">
+                  <a:lumMod val="75000"/>
+                </a:schemeClr>
+              </a:solidFill>
+            </a:endParaRPr>
+          </a:p>
+        </p:txBody>
+      </p:sp>
+      <p:cxnSp>
+        <p:nvCxnSpPr>
+          <p:cNvPr id="71" name="Elbow Connector 136"/>
+          <p:cNvCxnSpPr>
+            <a:cxnSpLocks/>
+            <a:stCxn id="36" idx="0"/>
+          </p:cNvCxnSpPr>
+          <p:nvPr/>
+        </p:nvCxnSpPr>
+        <p:spPr>
+          <a:xfrm rot="5400000" flipH="1" flipV="1">
+            <a:off x="3464314" y="4127218"/>
+            <a:ext cx="70864" cy="720804"/>
+          </a:xfrm>
+          <a:prstGeom prst="bentConnector2">
+            <a:avLst/>
+          </a:prstGeom>
+          <a:ln w="19050">
+            <a:solidFill>
+              <a:schemeClr val="accent3"/>
+            </a:solidFill>
+            <a:headEnd type="none" w="med" len="med"/>
+            <a:tailEnd type="arrow" w="med" len="med"/>
+          </a:ln>
+          <a:effectLst/>
+        </p:spPr>
+        <p:style>
+          <a:lnRef idx="1">
+            <a:schemeClr val="accent2"/>
+          </a:lnRef>
+          <a:fillRef idx="2">
+            <a:schemeClr val="accent2"/>
+          </a:fillRef>
+          <a:effectRef idx="1">
+            <a:schemeClr val="accent2"/>
+          </a:effectRef>
+          <a:fontRef idx="minor">
+            <a:schemeClr val="dk1"/>
+          </a:fontRef>
+        </p:style>
+      </p:cxnSp>
+      <p:cxnSp>
+        <p:nvCxnSpPr>
+          <p:cNvPr id="78" name="Elbow Connector 63"/>
+          <p:cNvCxnSpPr>
+            <a:cxnSpLocks/>
+            <a:endCxn id="38" idx="1"/>
+          </p:cNvCxnSpPr>
+          <p:nvPr/>
+        </p:nvCxnSpPr>
+        <p:spPr>
+          <a:xfrm rot="16200000" flipH="1">
+            <a:off x="1221441" y="4074076"/>
+            <a:ext cx="2557682" cy="186602"/>
+          </a:xfrm>
+          <a:prstGeom prst="bentConnector2">
+            <a:avLst/>
+          </a:prstGeom>
+          <a:ln w="19050">
+            <a:solidFill>
+              <a:schemeClr val="accent3"/>
+            </a:solidFill>
+            <a:headEnd type="none" w="med" len="med"/>
+            <a:tailEnd type="arrow" w="med" len="med"/>
+          </a:ln>
+          <a:effectLst/>
+        </p:spPr>
+        <p:style>
+          <a:lnRef idx="1">
+            <a:schemeClr val="accent2"/>
+          </a:lnRef>
+          <a:fillRef idx="2">
+            <a:schemeClr val="accent2"/>
+          </a:fillRef>
+          <a:effectRef idx="1">
+            <a:schemeClr val="accent2"/>
+          </a:effectRef>
+          <a:fontRef idx="minor">
+            <a:schemeClr val="dk1"/>
+          </a:fontRef>
+        </p:style>
+      </p:cxnSp>
+      <p:sp>
+        <p:nvSpPr>
+          <p:cNvPr id="81" name="Rectangle 11"/>
+          <p:cNvSpPr/>
+          <p:nvPr/>
+        </p:nvSpPr>
+        <p:spPr>
+          <a:xfrm>
+            <a:off x="2590798" y="5663782"/>
+            <a:ext cx="1600200" cy="236841"/>
+          </a:xfrm>
+          <a:prstGeom prst="rect">
+            <a:avLst/>
+          </a:prstGeom>
+          <a:ln w="19050">
+            <a:solidFill>
+              <a:schemeClr val="accent3"/>
+            </a:solidFill>
+          </a:ln>
+          <a:effectLst/>
+        </p:spPr>
+        <p:style>
+          <a:lnRef idx="1">
+            <a:schemeClr val="accent3"/>
+          </a:lnRef>
+          <a:fillRef idx="2">
+            <a:schemeClr val="accent3"/>
+          </a:fillRef>
+          <a:effectRef idx="1">
+            <a:schemeClr val="accent3"/>
+          </a:effectRef>
+          <a:fontRef idx="minor">
+            <a:schemeClr val="dk1"/>
+          </a:fontRef>
+        </p:style>
+        <p:txBody>
+          <a:bodyPr rtlCol="0" anchor="ctr"/>
+          <a:lstStyle/>
+          <a:p>
+            <a:pPr algn="ctr"/>
+            <a:r>
+              <a:rPr lang="en-US" sz="1050" b="1" dirty="0" err="1">
+                <a:solidFill>
+                  <a:schemeClr val="accent3">
+                    <a:lumMod val="75000"/>
+                  </a:schemeClr>
+                </a:solidFill>
+              </a:rPr>
+              <a:t>HomePanel</a:t>
+            </a:r>
+            <a:endParaRPr lang="en-SG" sz="1050" b="1" dirty="0">
+              <a:solidFill>
+                <a:schemeClr val="accent3">
+                  <a:lumMod val="75000"/>
+                </a:schemeClr>
+              </a:solidFill>
+            </a:endParaRPr>
+          </a:p>
+        </p:txBody>
+      </p:sp>
+      <p:cxnSp>
+        <p:nvCxnSpPr>
+          <p:cNvPr id="83" name="Elbow Connector 63"/>
+          <p:cNvCxnSpPr>
+            <a:cxnSpLocks/>
+          </p:cNvCxnSpPr>
+          <p:nvPr/>
+        </p:nvCxnSpPr>
+        <p:spPr>
+          <a:xfrm rot="16200000" flipH="1">
+            <a:off x="1222499" y="4429751"/>
+            <a:ext cx="2557681" cy="186602"/>
+          </a:xfrm>
+          <a:prstGeom prst="bentConnector2">
+            <a:avLst/>
+          </a:prstGeom>
+          <a:ln w="19050">
+            <a:solidFill>
+              <a:schemeClr val="accent3"/>
+            </a:solidFill>
+            <a:headEnd type="none" w="med" len="med"/>
+            <a:tailEnd type="arrow" w="med" len="med"/>
+          </a:ln>
+          <a:effectLst/>
+        </p:spPr>
+        <p:style>
+          <a:lnRef idx="1">
+            <a:schemeClr val="accent2"/>
+          </a:lnRef>
+          <a:fillRef idx="2">
+            <a:schemeClr val="accent2"/>
+          </a:fillRef>
+          <a:effectRef idx="1">
+            <a:schemeClr val="accent2"/>
+          </a:effectRef>
+          <a:fontRef idx="minor">
+            <a:schemeClr val="dk1"/>
+          </a:fontRef>
+        </p:style>
+      </p:cxnSp>
+      <p:cxnSp>
+        <p:nvCxnSpPr>
+          <p:cNvPr id="84" name="Elbow Connector 63"/>
+          <p:cNvCxnSpPr>
+            <a:cxnSpLocks/>
+            <a:stCxn id="16" idx="3"/>
+            <a:endCxn id="81" idx="3"/>
+          </p:cNvCxnSpPr>
+          <p:nvPr/>
+        </p:nvCxnSpPr>
+        <p:spPr>
+          <a:xfrm rot="5400000">
+            <a:off x="3112383" y="3364616"/>
+            <a:ext cx="3496203" cy="1338971"/>
+          </a:xfrm>
+          <a:prstGeom prst="bentConnector2">
+            <a:avLst/>
+          </a:prstGeom>
+          <a:ln w="6350">
+            <a:solidFill>
+              <a:schemeClr val="accent3"/>
+            </a:solidFill>
+            <a:headEnd type="none" w="med" len="med"/>
+            <a:tailEnd type="none" w="med" len="med"/>
+          </a:ln>
+          <a:effectLst/>
+        </p:spPr>
+        <p:style>
+          <a:lnRef idx="1">
+            <a:schemeClr val="accent2"/>
+          </a:lnRef>
+          <a:fillRef idx="2">
+            <a:schemeClr val="accent2"/>
+          </a:fillRef>
+          <a:effectRef idx="1">
+            <a:schemeClr val="accent2"/>
+          </a:effectRef>
+          <a:fontRef idx="minor">
+            <a:schemeClr val="dk1"/>
+          </a:fontRef>
+        </p:style>
+      </p:cxnSp>
+      <p:cxnSp>
+        <p:nvCxnSpPr>
+          <p:cNvPr id="51" name="Elbow Connector 63"/>
+          <p:cNvCxnSpPr>
+            <a:cxnSpLocks/>
+          </p:cNvCxnSpPr>
+          <p:nvPr/>
+        </p:nvCxnSpPr>
+        <p:spPr>
+          <a:xfrm rot="16200000" flipH="1">
+            <a:off x="2045952" y="3555078"/>
+            <a:ext cx="899755" cy="176402"/>
+          </a:xfrm>
+          <a:prstGeom prst="bentConnector2">
+            <a:avLst/>
+          </a:prstGeom>
+          <a:ln w="19050">
+            <a:solidFill>
+              <a:schemeClr val="accent3"/>
+            </a:solidFill>
+            <a:headEnd type="none" w="med" len="med"/>
+            <a:tailEnd type="arrow" w="med" len="med"/>
+          </a:ln>
+          <a:effectLst/>
+        </p:spPr>
+        <p:style>
+          <a:lnRef idx="1">
+            <a:schemeClr val="accent2"/>
+          </a:lnRef>
+          <a:fillRef idx="2">
+            <a:schemeClr val="accent2"/>
+          </a:fillRef>
+          <a:effectRef idx="1">
+            <a:schemeClr val="accent2"/>
+          </a:effectRef>
+          <a:fontRef idx="minor">
+            <a:schemeClr val="dk1"/>
+          </a:fontRef>
+        </p:style>
+      </p:cxnSp>
+      <p:sp>
+        <p:nvSpPr>
+          <p:cNvPr id="52" name="Rectangle 11"/>
+          <p:cNvSpPr/>
+          <p:nvPr/>
+        </p:nvSpPr>
+        <p:spPr>
+          <a:xfrm>
+            <a:off x="2590798" y="5999767"/>
+            <a:ext cx="1600200" cy="236841"/>
+          </a:xfrm>
+          <a:prstGeom prst="rect">
+            <a:avLst/>
+          </a:prstGeom>
+          <a:ln w="19050">
+            <a:solidFill>
+              <a:schemeClr val="accent3"/>
+            </a:solidFill>
+          </a:ln>
+          <a:effectLst/>
+        </p:spPr>
+        <p:style>
+          <a:lnRef idx="1">
+            <a:schemeClr val="accent3"/>
+          </a:lnRef>
+          <a:fillRef idx="2">
+            <a:schemeClr val="accent3"/>
+          </a:fillRef>
+          <a:effectRef idx="1">
+            <a:schemeClr val="accent3"/>
+          </a:effectRef>
+          <a:fontRef idx="minor">
+            <a:schemeClr val="dk1"/>
+          </a:fontRef>
+        </p:style>
+        <p:txBody>
+          <a:bodyPr rtlCol="0" anchor="ctr"/>
+          <a:lstStyle/>
+          <a:p>
+            <a:pPr algn="ctr"/>
+            <a:r>
+              <a:rPr lang="en-SG" sz="1050" b="1" dirty="0" err="1">
+                <a:solidFill>
+                  <a:schemeClr val="accent3">
+                    <a:lumMod val="75000"/>
+                  </a:schemeClr>
+                </a:solidFill>
+              </a:rPr>
+              <a:t>BirthdayStatisticsPanel</a:t>
+            </a:r>
+            <a:endParaRPr lang="en-SG" sz="1050" b="1" dirty="0">
+              <a:solidFill>
+                <a:schemeClr val="accent3">
+                  <a:lumMod val="75000"/>
+                </a:schemeClr>
+              </a:solidFill>
+            </a:endParaRPr>
+          </a:p>
+        </p:txBody>
+      </p:sp>
+      <p:cxnSp>
+        <p:nvCxnSpPr>
+          <p:cNvPr id="55" name="Elbow Connector 63"/>
+          <p:cNvCxnSpPr>
+            <a:cxnSpLocks/>
+          </p:cNvCxnSpPr>
+          <p:nvPr/>
+        </p:nvCxnSpPr>
+        <p:spPr>
+          <a:xfrm rot="16200000" flipH="1">
+            <a:off x="1224079" y="4746596"/>
+            <a:ext cx="2557681" cy="186602"/>
+          </a:xfrm>
+          <a:prstGeom prst="bentConnector2">
+            <a:avLst/>
+          </a:prstGeom>
+          <a:ln w="19050">
+            <a:solidFill>
+              <a:schemeClr val="accent3"/>
+            </a:solidFill>
+            <a:headEnd type="none" w="med" len="med"/>
+            <a:tailEnd type="arrow" w="med" len="med"/>
+          </a:ln>
+          <a:effectLst/>
+        </p:spPr>
+        <p:style>
+          <a:lnRef idx="1">
+            <a:schemeClr val="accent2"/>
+          </a:lnRef>
+          <a:fillRef idx="2">
+            <a:schemeClr val="accent2"/>
+          </a:fillRef>
+          <a:effectRef idx="1">
+            <a:schemeClr val="accent2"/>
+          </a:effectRef>
+          <a:fontRef idx="minor">
+            <a:schemeClr val="dk1"/>
+          </a:fontRef>
+        </p:style>
+      </p:cxnSp>
+      <p:cxnSp>
+        <p:nvCxnSpPr>
+          <p:cNvPr id="56" name="Elbow Connector 63"/>
+          <p:cNvCxnSpPr>
+            <a:cxnSpLocks/>
+          </p:cNvCxnSpPr>
+          <p:nvPr/>
+        </p:nvCxnSpPr>
+        <p:spPr>
+          <a:xfrm rot="5400000">
+            <a:off x="3100193" y="3686370"/>
+            <a:ext cx="3496203" cy="1338971"/>
+          </a:xfrm>
+          <a:prstGeom prst="bentConnector2">
+            <a:avLst/>
+          </a:prstGeom>
+          <a:ln w="6350">
+            <a:solidFill>
+              <a:schemeClr val="accent3"/>
+            </a:solidFill>
+            <a:headEnd type="none" w="med" len="med"/>
+            <a:tailEnd type="none" w="med" len="med"/>
+          </a:ln>
+          <a:effectLst/>
+        </p:spPr>
+        <p:style>
+          <a:lnRef idx="1">
+            <a:schemeClr val="accent2"/>
+          </a:lnRef>
+          <a:fillRef idx="2">
+            <a:schemeClr val="accent2"/>
+          </a:fillRef>
+          <a:effectRef idx="1">
+            <a:schemeClr val="accent2"/>
+          </a:effectRef>
+          <a:fontRef idx="minor">
+            <a:schemeClr val="dk1"/>
+          </a:fontRef>
+        </p:style>
+      </p:cxnSp>
+      <p:sp>
+        <p:nvSpPr>
+          <p:cNvPr id="144" name="Rectangle 143"/>
+          <p:cNvSpPr/>
+          <p:nvPr/>
+        </p:nvSpPr>
+        <p:spPr>
+          <a:xfrm>
+            <a:off x="5431573" y="5021538"/>
+            <a:ext cx="229325" cy="160062"/>
+          </a:xfrm>
+          <a:prstGeom prst="rect">
+            <a:avLst/>
+          </a:prstGeom>
+          <a:solidFill>
+            <a:schemeClr val="accent3">
+              <a:lumMod val="20000"/>
+              <a:lumOff val="80000"/>
+              <a:alpha val="80000"/>
+            </a:schemeClr>
+          </a:solidFill>
+          <a:ln>
+            <a:noFill/>
+          </a:ln>
+          <a:effectLst>
+            <a:softEdge rad="31750"/>
+          </a:effectLst>
+        </p:spPr>
+        <p:style>
+          <a:lnRef idx="2">
+            <a:schemeClr val="accent1">
+              <a:shade val="50000"/>
+            </a:schemeClr>
+          </a:lnRef>
+          <a:fillRef idx="1">
+            <a:schemeClr val="accent1"/>
+          </a:fillRef>
+          <a:effectRef idx="0">
+            <a:schemeClr val="accent1"/>
+          </a:effectRef>
+          <a:fontRef idx="minor">
+            <a:schemeClr val="lt1"/>
+          </a:fontRef>
+        </p:style>
+        <p:txBody>
+          <a:bodyPr rtlCol="0" anchor="ctr"/>
+          <a:lstStyle/>
+          <a:p>
+            <a:pPr algn="ctr"/>
+            <a:endParaRPr lang="en-SG"/>
+          </a:p>
+        </p:txBody>
+      </p:sp>
+      <p:sp>
+        <p:nvSpPr>
+          <p:cNvPr id="118" name="Freeform 117"/>
+          <p:cNvSpPr/>
+          <p:nvPr/>
+        </p:nvSpPr>
+        <p:spPr>
+          <a:xfrm flipV="1">
+            <a:off x="4114799" y="5003800"/>
+            <a:ext cx="2642195" cy="101600"/>
+          </a:xfrm>
+          <a:custGeom>
+            <a:avLst/>
+            <a:gdLst>
+              <a:gd name="connsiteX0" fmla="*/ 0 w 3048000"/>
+              <a:gd name="connsiteY0" fmla="*/ 203200 h 203200"/>
+              <a:gd name="connsiteX1" fmla="*/ 221673 w 3048000"/>
+              <a:gd name="connsiteY1" fmla="*/ 0 h 203200"/>
+              <a:gd name="connsiteX2" fmla="*/ 3048000 w 3048000"/>
+              <a:gd name="connsiteY2" fmla="*/ 0 h 203200"/>
+            </a:gdLst>
+            <a:ahLst/>
+            <a:cxnLst>
+              <a:cxn ang="0">
+                <a:pos x="connsiteX0" y="connsiteY0"/>
+              </a:cxn>
+              <a:cxn ang="0">
+                <a:pos x="connsiteX1" y="connsiteY1"/>
+              </a:cxn>
+              <a:cxn ang="0">
+                <a:pos x="connsiteX2" y="connsiteY2"/>
+              </a:cxn>
+            </a:cxnLst>
+            <a:rect l="l" t="t" r="r" b="b"/>
+            <a:pathLst>
+              <a:path w="3048000" h="203200">
+                <a:moveTo>
+                  <a:pt x="0" y="203200"/>
+                </a:moveTo>
+                <a:lnTo>
+                  <a:pt x="221673" y="0"/>
+                </a:lnTo>
+                <a:lnTo>
+                  <a:pt x="3048000" y="0"/>
+                </a:lnTo>
+              </a:path>
+            </a:pathLst>
+          </a:custGeom>
+          <a:noFill/>
+          <a:ln w="19050">
+            <a:solidFill>
+              <a:schemeClr val="accent3"/>
+            </a:solidFill>
+            <a:prstDash val="sysDot"/>
+            <a:headEnd type="none" w="med" len="med"/>
+            <a:tailEnd type="arrow" w="med" len="med"/>
+          </a:ln>
+          <a:effectLst/>
+        </p:spPr>
+        <p:style>
+          <a:lnRef idx="1">
+            <a:schemeClr val="accent2"/>
+          </a:lnRef>
+          <a:fillRef idx="2">
+            <a:schemeClr val="accent2"/>
+          </a:fillRef>
+          <a:effectRef idx="1">
+            <a:schemeClr val="accent2"/>
+          </a:effectRef>
+          <a:fontRef idx="minor">
+            <a:schemeClr val="dk1"/>
+          </a:fontRef>
+        </p:style>
+        <p:txBody>
+          <a:bodyPr rtlCol="0" anchor="ctr"/>
+          <a:lstStyle/>
+          <a:p>
+            <a:pPr algn="ctr"/>
+            <a:endParaRPr lang="en-SG"/>
+          </a:p>
+        </p:txBody>
+      </p:sp>
+      <p:sp>
+        <p:nvSpPr>
+          <p:cNvPr id="76" name="Rectangle 75"/>
+          <p:cNvSpPr/>
+          <p:nvPr/>
+        </p:nvSpPr>
+        <p:spPr>
+          <a:xfrm>
+            <a:off x="5395614" y="4166032"/>
+            <a:ext cx="229325" cy="160062"/>
+          </a:xfrm>
+          <a:prstGeom prst="rect">
+            <a:avLst/>
+          </a:prstGeom>
+          <a:solidFill>
+            <a:schemeClr val="accent3">
+              <a:lumMod val="20000"/>
+              <a:lumOff val="80000"/>
+              <a:alpha val="80000"/>
+            </a:schemeClr>
+          </a:solidFill>
+          <a:ln>
+            <a:noFill/>
+          </a:ln>
+          <a:effectLst>
+            <a:softEdge rad="31750"/>
+          </a:effectLst>
+        </p:spPr>
+        <p:style>
+          <a:lnRef idx="2">
+            <a:schemeClr val="accent1">
+              <a:shade val="50000"/>
+            </a:schemeClr>
+          </a:lnRef>
+          <a:fillRef idx="1">
+            <a:schemeClr val="accent1"/>
+          </a:fillRef>
+          <a:effectRef idx="0">
+            <a:schemeClr val="accent1"/>
+          </a:effectRef>
+          <a:fontRef idx="minor">
+            <a:schemeClr val="lt1"/>
+          </a:fontRef>
+        </p:style>
+        <p:txBody>
+          <a:bodyPr rtlCol="0" anchor="ctr"/>
+          <a:lstStyle/>
+          <a:p>
+            <a:pPr algn="ctr"/>
+            <a:endParaRPr lang="en-SG"/>
+          </a:p>
+        </p:txBody>
+      </p:sp>
+      <p:sp>
+        <p:nvSpPr>
+          <p:cNvPr id="75" name="Freeform 117"/>
+          <p:cNvSpPr/>
+          <p:nvPr/>
+        </p:nvSpPr>
+        <p:spPr>
+          <a:xfrm>
+            <a:off x="4953000" y="4216400"/>
+            <a:ext cx="1803995" cy="108676"/>
+          </a:xfrm>
+          <a:custGeom>
+            <a:avLst/>
+            <a:gdLst>
+              <a:gd name="connsiteX0" fmla="*/ 0 w 3048000"/>
+              <a:gd name="connsiteY0" fmla="*/ 203200 h 203200"/>
+              <a:gd name="connsiteX1" fmla="*/ 221673 w 3048000"/>
+              <a:gd name="connsiteY1" fmla="*/ 0 h 203200"/>
+              <a:gd name="connsiteX2" fmla="*/ 3048000 w 3048000"/>
+              <a:gd name="connsiteY2" fmla="*/ 0 h 203200"/>
+            </a:gdLst>
+            <a:ahLst/>
+            <a:cxnLst>
+              <a:cxn ang="0">
+                <a:pos x="connsiteX0" y="connsiteY0"/>
+              </a:cxn>
+              <a:cxn ang="0">
+                <a:pos x="connsiteX1" y="connsiteY1"/>
+              </a:cxn>
+              <a:cxn ang="0">
+                <a:pos x="connsiteX2" y="connsiteY2"/>
+              </a:cxn>
+            </a:cxnLst>
+            <a:rect l="l" t="t" r="r" b="b"/>
+            <a:pathLst>
+              <a:path w="3048000" h="203200">
+                <a:moveTo>
+                  <a:pt x="0" y="203200"/>
+                </a:moveTo>
+                <a:lnTo>
+                  <a:pt x="221673" y="0"/>
+                </a:lnTo>
+                <a:lnTo>
+                  <a:pt x="3048000" y="0"/>
+                </a:lnTo>
+              </a:path>
+            </a:pathLst>
+          </a:custGeom>
+          <a:noFill/>
+          <a:ln w="19050">
+            <a:solidFill>
+              <a:schemeClr val="accent3"/>
+            </a:solidFill>
+            <a:prstDash val="sysDot"/>
+            <a:headEnd type="none" w="med" len="med"/>
+            <a:tailEnd type="arrow" w="med" len="med"/>
+          </a:ln>
+          <a:effectLst/>
+        </p:spPr>
+        <p:style>
+          <a:lnRef idx="1">
+            <a:schemeClr val="accent2"/>
+          </a:lnRef>
+          <a:fillRef idx="2">
+            <a:schemeClr val="accent2"/>
+          </a:fillRef>
+          <a:effectRef idx="1">
+            <a:schemeClr val="accent2"/>
+          </a:effectRef>
+          <a:fontRef idx="minor">
+            <a:schemeClr val="dk1"/>
+          </a:fontRef>
+        </p:style>
+        <p:txBody>
+          <a:bodyPr rtlCol="0" anchor="ctr"/>
+          <a:lstStyle/>
+          <a:p>
+            <a:pPr algn="ctr"/>
+            <a:endParaRPr lang="en-SG"/>
+          </a:p>
+        </p:txBody>
+      </p:sp>
       <p:sp>
         <p:nvSpPr>
           <p:cNvPr id="143" name="Rectangle 142"/>
@@ -5344,620 +6138,6 @@
           </a:p>
         </p:txBody>
       </p:sp>
-      <p:sp>
-        <p:nvSpPr>
-          <p:cNvPr id="144" name="Rectangle 143"/>
-          <p:cNvSpPr/>
-          <p:nvPr/>
-        </p:nvSpPr>
-        <p:spPr>
-          <a:xfrm>
-            <a:off x="5431573" y="5021538"/>
-            <a:ext cx="229325" cy="160062"/>
-          </a:xfrm>
-          <a:prstGeom prst="rect">
-            <a:avLst/>
-          </a:prstGeom>
-          <a:solidFill>
-            <a:schemeClr val="accent3">
-              <a:lumMod val="20000"/>
-              <a:lumOff val="80000"/>
-              <a:alpha val="80000"/>
-            </a:schemeClr>
-          </a:solidFill>
-          <a:ln>
-            <a:noFill/>
-          </a:ln>
-          <a:effectLst>
-            <a:softEdge rad="31750"/>
-          </a:effectLst>
-        </p:spPr>
-        <p:style>
-          <a:lnRef idx="2">
-            <a:schemeClr val="accent1">
-              <a:shade val="50000"/>
-            </a:schemeClr>
-          </a:lnRef>
-          <a:fillRef idx="1">
-            <a:schemeClr val="accent1"/>
-          </a:fillRef>
-          <a:effectRef idx="0">
-            <a:schemeClr val="accent1"/>
-          </a:effectRef>
-          <a:fontRef idx="minor">
-            <a:schemeClr val="lt1"/>
-          </a:fontRef>
-        </p:style>
-        <p:txBody>
-          <a:bodyPr rtlCol="0" anchor="ctr"/>
-          <a:lstStyle/>
-          <a:p>
-            <a:pPr algn="ctr"/>
-            <a:endParaRPr lang="en-SG"/>
-          </a:p>
-        </p:txBody>
-      </p:sp>
-      <p:sp>
-        <p:nvSpPr>
-          <p:cNvPr id="118" name="Freeform 117"/>
-          <p:cNvSpPr/>
-          <p:nvPr/>
-        </p:nvSpPr>
-        <p:spPr>
-          <a:xfrm flipV="1">
-            <a:off x="4114799" y="5003800"/>
-            <a:ext cx="2642195" cy="101600"/>
-          </a:xfrm>
-          <a:custGeom>
-            <a:avLst/>
-            <a:gdLst>
-              <a:gd name="connsiteX0" fmla="*/ 0 w 3048000"/>
-              <a:gd name="connsiteY0" fmla="*/ 203200 h 203200"/>
-              <a:gd name="connsiteX1" fmla="*/ 221673 w 3048000"/>
-              <a:gd name="connsiteY1" fmla="*/ 0 h 203200"/>
-              <a:gd name="connsiteX2" fmla="*/ 3048000 w 3048000"/>
-              <a:gd name="connsiteY2" fmla="*/ 0 h 203200"/>
-            </a:gdLst>
-            <a:ahLst/>
-            <a:cxnLst>
-              <a:cxn ang="0">
-                <a:pos x="connsiteX0" y="connsiteY0"/>
-              </a:cxn>
-              <a:cxn ang="0">
-                <a:pos x="connsiteX1" y="connsiteY1"/>
-              </a:cxn>
-              <a:cxn ang="0">
-                <a:pos x="connsiteX2" y="connsiteY2"/>
-              </a:cxn>
-            </a:cxnLst>
-            <a:rect l="l" t="t" r="r" b="b"/>
-            <a:pathLst>
-              <a:path w="3048000" h="203200">
-                <a:moveTo>
-                  <a:pt x="0" y="203200"/>
-                </a:moveTo>
-                <a:lnTo>
-                  <a:pt x="221673" y="0"/>
-                </a:lnTo>
-                <a:lnTo>
-                  <a:pt x="3048000" y="0"/>
-                </a:lnTo>
-              </a:path>
-            </a:pathLst>
-          </a:custGeom>
-          <a:noFill/>
-          <a:ln w="19050">
-            <a:solidFill>
-              <a:schemeClr val="accent3"/>
-            </a:solidFill>
-            <a:prstDash val="sysDot"/>
-            <a:headEnd type="none" w="med" len="med"/>
-            <a:tailEnd type="arrow" w="med" len="med"/>
-          </a:ln>
-          <a:effectLst/>
-        </p:spPr>
-        <p:style>
-          <a:lnRef idx="1">
-            <a:schemeClr val="accent2"/>
-          </a:lnRef>
-          <a:fillRef idx="2">
-            <a:schemeClr val="accent2"/>
-          </a:fillRef>
-          <a:effectRef idx="1">
-            <a:schemeClr val="accent2"/>
-          </a:effectRef>
-          <a:fontRef idx="minor">
-            <a:schemeClr val="dk1"/>
-          </a:fontRef>
-        </p:style>
-        <p:txBody>
-          <a:bodyPr rtlCol="0" anchor="ctr"/>
-          <a:lstStyle/>
-          <a:p>
-            <a:pPr algn="ctr"/>
-            <a:endParaRPr lang="en-SG"/>
-          </a:p>
-        </p:txBody>
-      </p:sp>
-      <p:sp>
-        <p:nvSpPr>
-          <p:cNvPr id="54" name="Rectangle 11"/>
-          <p:cNvSpPr/>
-          <p:nvPr/>
-        </p:nvSpPr>
-        <p:spPr>
-          <a:xfrm>
-            <a:off x="2590798" y="3993927"/>
-            <a:ext cx="1600202" cy="236841"/>
-          </a:xfrm>
-          <a:prstGeom prst="rect">
-            <a:avLst/>
-          </a:prstGeom>
-          <a:ln w="19050">
-            <a:solidFill>
-              <a:schemeClr val="accent3"/>
-            </a:solidFill>
-          </a:ln>
-          <a:effectLst/>
-        </p:spPr>
-        <p:style>
-          <a:lnRef idx="1">
-            <a:schemeClr val="accent3"/>
-          </a:lnRef>
-          <a:fillRef idx="2">
-            <a:schemeClr val="accent3"/>
-          </a:fillRef>
-          <a:effectRef idx="1">
-            <a:schemeClr val="accent3"/>
-          </a:effectRef>
-          <a:fontRef idx="minor">
-            <a:schemeClr val="dk1"/>
-          </a:fontRef>
-        </p:style>
-        <p:txBody>
-          <a:bodyPr rtlCol="0" anchor="ctr"/>
-          <a:lstStyle/>
-          <a:p>
-            <a:pPr algn="ctr"/>
-            <a:r>
-              <a:rPr lang="en-US" sz="1050" b="1" dirty="0" err="1">
-                <a:solidFill>
-                  <a:schemeClr val="accent3">
-                    <a:lumMod val="75000"/>
-                  </a:schemeClr>
-                </a:solidFill>
-              </a:rPr>
-              <a:t>GoogleMapBrowserPanel</a:t>
-            </a:r>
-            <a:endParaRPr lang="en-SG" sz="1050" b="1" dirty="0">
-              <a:solidFill>
-                <a:schemeClr val="accent3">
-                  <a:lumMod val="75000"/>
-                </a:schemeClr>
-              </a:solidFill>
-            </a:endParaRPr>
-          </a:p>
-        </p:txBody>
-      </p:sp>
-      <p:sp>
-        <p:nvSpPr>
-          <p:cNvPr id="70" name="Rectangle 11"/>
-          <p:cNvSpPr/>
-          <p:nvPr/>
-        </p:nvSpPr>
-        <p:spPr>
-          <a:xfrm>
-            <a:off x="3839322" y="4333769"/>
-            <a:ext cx="1304625" cy="236841"/>
-          </a:xfrm>
-          <a:prstGeom prst="rect">
-            <a:avLst/>
-          </a:prstGeom>
-          <a:ln w="19050">
-            <a:solidFill>
-              <a:schemeClr val="accent3"/>
-            </a:solidFill>
-          </a:ln>
-          <a:effectLst/>
-        </p:spPr>
-        <p:style>
-          <a:lnRef idx="1">
-            <a:schemeClr val="accent3"/>
-          </a:lnRef>
-          <a:fillRef idx="2">
-            <a:schemeClr val="accent3"/>
-          </a:fillRef>
-          <a:effectRef idx="1">
-            <a:schemeClr val="accent3"/>
-          </a:effectRef>
-          <a:fontRef idx="minor">
-            <a:schemeClr val="dk1"/>
-          </a:fontRef>
-        </p:style>
-        <p:txBody>
-          <a:bodyPr rtlCol="0" anchor="ctr"/>
-          <a:lstStyle/>
-          <a:p>
-            <a:pPr algn="ctr"/>
-            <a:r>
-              <a:rPr lang="en-US" sz="1050" b="1" dirty="0" err="1">
-                <a:solidFill>
-                  <a:schemeClr val="accent3">
-                    <a:lumMod val="75000"/>
-                  </a:schemeClr>
-                </a:solidFill>
-              </a:rPr>
-              <a:t>PersonDetailsPanel</a:t>
-            </a:r>
-            <a:endParaRPr lang="en-SG" sz="1050" b="1" dirty="0">
-              <a:solidFill>
-                <a:schemeClr val="accent3">
-                  <a:lumMod val="75000"/>
-                </a:schemeClr>
-              </a:solidFill>
-            </a:endParaRPr>
-          </a:p>
-        </p:txBody>
-      </p:sp>
-      <p:cxnSp>
-        <p:nvCxnSpPr>
-          <p:cNvPr id="71" name="Elbow Connector 136"/>
-          <p:cNvCxnSpPr>
-            <a:cxnSpLocks/>
-            <a:stCxn id="36" idx="0"/>
-          </p:cNvCxnSpPr>
-          <p:nvPr/>
-        </p:nvCxnSpPr>
-        <p:spPr>
-          <a:xfrm rot="5400000" flipH="1" flipV="1">
-            <a:off x="3464314" y="4127218"/>
-            <a:ext cx="70864" cy="720804"/>
-          </a:xfrm>
-          <a:prstGeom prst="bentConnector2">
-            <a:avLst/>
-          </a:prstGeom>
-          <a:ln w="19050">
-            <a:solidFill>
-              <a:schemeClr val="accent3"/>
-            </a:solidFill>
-            <a:headEnd type="none" w="med" len="med"/>
-            <a:tailEnd type="arrow" w="med" len="med"/>
-          </a:ln>
-          <a:effectLst/>
-        </p:spPr>
-        <p:style>
-          <a:lnRef idx="1">
-            <a:schemeClr val="accent2"/>
-          </a:lnRef>
-          <a:fillRef idx="2">
-            <a:schemeClr val="accent2"/>
-          </a:fillRef>
-          <a:effectRef idx="1">
-            <a:schemeClr val="accent2"/>
-          </a:effectRef>
-          <a:fontRef idx="minor">
-            <a:schemeClr val="dk1"/>
-          </a:fontRef>
-        </p:style>
-      </p:cxnSp>
-      <p:sp>
-        <p:nvSpPr>
-          <p:cNvPr id="76" name="Rectangle 75"/>
-          <p:cNvSpPr/>
-          <p:nvPr/>
-        </p:nvSpPr>
-        <p:spPr>
-          <a:xfrm>
-            <a:off x="5395614" y="4166032"/>
-            <a:ext cx="229325" cy="160062"/>
-          </a:xfrm>
-          <a:prstGeom prst="rect">
-            <a:avLst/>
-          </a:prstGeom>
-          <a:solidFill>
-            <a:schemeClr val="accent3">
-              <a:lumMod val="20000"/>
-              <a:lumOff val="80000"/>
-              <a:alpha val="80000"/>
-            </a:schemeClr>
-          </a:solidFill>
-          <a:ln>
-            <a:noFill/>
-          </a:ln>
-          <a:effectLst>
-            <a:softEdge rad="31750"/>
-          </a:effectLst>
-        </p:spPr>
-        <p:style>
-          <a:lnRef idx="2">
-            <a:schemeClr val="accent1">
-              <a:shade val="50000"/>
-            </a:schemeClr>
-          </a:lnRef>
-          <a:fillRef idx="1">
-            <a:schemeClr val="accent1"/>
-          </a:fillRef>
-          <a:effectRef idx="0">
-            <a:schemeClr val="accent1"/>
-          </a:effectRef>
-          <a:fontRef idx="minor">
-            <a:schemeClr val="lt1"/>
-          </a:fontRef>
-        </p:style>
-        <p:txBody>
-          <a:bodyPr rtlCol="0" anchor="ctr"/>
-          <a:lstStyle/>
-          <a:p>
-            <a:pPr algn="ctr"/>
-            <a:endParaRPr lang="en-SG"/>
-          </a:p>
-        </p:txBody>
-      </p:sp>
-      <p:sp>
-        <p:nvSpPr>
-          <p:cNvPr id="75" name="Freeform 117"/>
-          <p:cNvSpPr/>
-          <p:nvPr/>
-        </p:nvSpPr>
-        <p:spPr>
-          <a:xfrm>
-            <a:off x="4953000" y="4216400"/>
-            <a:ext cx="1803995" cy="108676"/>
-          </a:xfrm>
-          <a:custGeom>
-            <a:avLst/>
-            <a:gdLst>
-              <a:gd name="connsiteX0" fmla="*/ 0 w 3048000"/>
-              <a:gd name="connsiteY0" fmla="*/ 203200 h 203200"/>
-              <a:gd name="connsiteX1" fmla="*/ 221673 w 3048000"/>
-              <a:gd name="connsiteY1" fmla="*/ 0 h 203200"/>
-              <a:gd name="connsiteX2" fmla="*/ 3048000 w 3048000"/>
-              <a:gd name="connsiteY2" fmla="*/ 0 h 203200"/>
-            </a:gdLst>
-            <a:ahLst/>
-            <a:cxnLst>
-              <a:cxn ang="0">
-                <a:pos x="connsiteX0" y="connsiteY0"/>
-              </a:cxn>
-              <a:cxn ang="0">
-                <a:pos x="connsiteX1" y="connsiteY1"/>
-              </a:cxn>
-              <a:cxn ang="0">
-                <a:pos x="connsiteX2" y="connsiteY2"/>
-              </a:cxn>
-            </a:cxnLst>
-            <a:rect l="l" t="t" r="r" b="b"/>
-            <a:pathLst>
-              <a:path w="3048000" h="203200">
-                <a:moveTo>
-                  <a:pt x="0" y="203200"/>
-                </a:moveTo>
-                <a:lnTo>
-                  <a:pt x="221673" y="0"/>
-                </a:lnTo>
-                <a:lnTo>
-                  <a:pt x="3048000" y="0"/>
-                </a:lnTo>
-              </a:path>
-            </a:pathLst>
-          </a:custGeom>
-          <a:noFill/>
-          <a:ln w="19050">
-            <a:solidFill>
-              <a:schemeClr val="accent3"/>
-            </a:solidFill>
-            <a:prstDash val="sysDot"/>
-            <a:headEnd type="none" w="med" len="med"/>
-            <a:tailEnd type="arrow" w="med" len="med"/>
-          </a:ln>
-          <a:effectLst/>
-        </p:spPr>
-        <p:style>
-          <a:lnRef idx="1">
-            <a:schemeClr val="accent2"/>
-          </a:lnRef>
-          <a:fillRef idx="2">
-            <a:schemeClr val="accent2"/>
-          </a:fillRef>
-          <a:effectRef idx="1">
-            <a:schemeClr val="accent2"/>
-          </a:effectRef>
-          <a:fontRef idx="minor">
-            <a:schemeClr val="dk1"/>
-          </a:fontRef>
-        </p:style>
-        <p:txBody>
-          <a:bodyPr rtlCol="0" anchor="ctr"/>
-          <a:lstStyle/>
-          <a:p>
-            <a:pPr algn="ctr"/>
-            <a:endParaRPr lang="en-SG"/>
-          </a:p>
-        </p:txBody>
-      </p:sp>
-      <p:cxnSp>
-        <p:nvCxnSpPr>
-          <p:cNvPr id="78" name="Elbow Connector 63"/>
-          <p:cNvCxnSpPr>
-            <a:cxnSpLocks/>
-            <a:endCxn id="38" idx="1"/>
-          </p:cNvCxnSpPr>
-          <p:nvPr/>
-        </p:nvCxnSpPr>
-        <p:spPr>
-          <a:xfrm rot="16200000" flipH="1">
-            <a:off x="1221442" y="4074076"/>
-            <a:ext cx="2557681" cy="186602"/>
-          </a:xfrm>
-          <a:prstGeom prst="bentConnector2">
-            <a:avLst/>
-          </a:prstGeom>
-          <a:ln w="19050">
-            <a:solidFill>
-              <a:schemeClr val="accent3"/>
-            </a:solidFill>
-            <a:headEnd type="none" w="med" len="med"/>
-            <a:tailEnd type="arrow" w="med" len="med"/>
-          </a:ln>
-          <a:effectLst/>
-        </p:spPr>
-        <p:style>
-          <a:lnRef idx="1">
-            <a:schemeClr val="accent2"/>
-          </a:lnRef>
-          <a:fillRef idx="2">
-            <a:schemeClr val="accent2"/>
-          </a:fillRef>
-          <a:effectRef idx="1">
-            <a:schemeClr val="accent2"/>
-          </a:effectRef>
-          <a:fontRef idx="minor">
-            <a:schemeClr val="dk1"/>
-          </a:fontRef>
-        </p:style>
-      </p:cxnSp>
-      <p:sp>
-        <p:nvSpPr>
-          <p:cNvPr id="81" name="Rectangle 11"/>
-          <p:cNvSpPr/>
-          <p:nvPr/>
-        </p:nvSpPr>
-        <p:spPr>
-          <a:xfrm>
-            <a:off x="2590798" y="5663782"/>
-            <a:ext cx="1093635" cy="236841"/>
-          </a:xfrm>
-          <a:prstGeom prst="rect">
-            <a:avLst/>
-          </a:prstGeom>
-          <a:ln w="19050">
-            <a:solidFill>
-              <a:schemeClr val="accent3"/>
-            </a:solidFill>
-          </a:ln>
-          <a:effectLst/>
-        </p:spPr>
-        <p:style>
-          <a:lnRef idx="1">
-            <a:schemeClr val="accent3"/>
-          </a:lnRef>
-          <a:fillRef idx="2">
-            <a:schemeClr val="accent3"/>
-          </a:fillRef>
-          <a:effectRef idx="1">
-            <a:schemeClr val="accent3"/>
-          </a:effectRef>
-          <a:fontRef idx="minor">
-            <a:schemeClr val="dk1"/>
-          </a:fontRef>
-        </p:style>
-        <p:txBody>
-          <a:bodyPr rtlCol="0" anchor="ctr"/>
-          <a:lstStyle/>
-          <a:p>
-            <a:pPr algn="ctr"/>
-            <a:r>
-              <a:rPr lang="en-US" sz="1050" b="1" dirty="0" err="1">
-                <a:solidFill>
-                  <a:schemeClr val="accent3">
-                    <a:lumMod val="75000"/>
-                  </a:schemeClr>
-                </a:solidFill>
-              </a:rPr>
-              <a:t>HomePanel</a:t>
-            </a:r>
-            <a:endParaRPr lang="en-SG" sz="1050" b="1" dirty="0">
-              <a:solidFill>
-                <a:schemeClr val="accent3">
-                  <a:lumMod val="75000"/>
-                </a:schemeClr>
-              </a:solidFill>
-            </a:endParaRPr>
-          </a:p>
-        </p:txBody>
-      </p:sp>
-      <p:cxnSp>
-        <p:nvCxnSpPr>
-          <p:cNvPr id="83" name="Elbow Connector 63"/>
-          <p:cNvCxnSpPr>
-            <a:cxnSpLocks/>
-          </p:cNvCxnSpPr>
-          <p:nvPr/>
-        </p:nvCxnSpPr>
-        <p:spPr>
-          <a:xfrm rot="16200000" flipH="1">
-            <a:off x="1222499" y="4429751"/>
-            <a:ext cx="2557681" cy="186602"/>
-          </a:xfrm>
-          <a:prstGeom prst="bentConnector2">
-            <a:avLst/>
-          </a:prstGeom>
-          <a:ln w="19050">
-            <a:solidFill>
-              <a:schemeClr val="accent3"/>
-            </a:solidFill>
-            <a:headEnd type="none" w="med" len="med"/>
-            <a:tailEnd type="arrow" w="med" len="med"/>
-          </a:ln>
-          <a:effectLst/>
-        </p:spPr>
-        <p:style>
-          <a:lnRef idx="1">
-            <a:schemeClr val="accent2"/>
-          </a:lnRef>
-          <a:fillRef idx="2">
-            <a:schemeClr val="accent2"/>
-          </a:fillRef>
-          <a:effectRef idx="1">
-            <a:schemeClr val="accent2"/>
-          </a:effectRef>
-          <a:fontRef idx="minor">
-            <a:schemeClr val="dk1"/>
-          </a:fontRef>
-        </p:style>
-      </p:cxnSp>
-      <p:cxnSp>
-        <p:nvCxnSpPr>
-          <p:cNvPr id="84" name="Elbow Connector 63"/>
-          <p:cNvCxnSpPr>
-            <a:cxnSpLocks/>
-            <a:stCxn id="16" idx="3"/>
-            <a:endCxn id="81" idx="3"/>
-          </p:cNvCxnSpPr>
-          <p:nvPr/>
-        </p:nvCxnSpPr>
-        <p:spPr>
-          <a:xfrm rot="5400000">
-            <a:off x="2859100" y="3111333"/>
-            <a:ext cx="3496203" cy="1845536"/>
-          </a:xfrm>
-          <a:prstGeom prst="bentConnector2">
-            <a:avLst/>
-          </a:prstGeom>
-          <a:ln w="6350">
-            <a:solidFill>
-              <a:schemeClr val="accent3"/>
-            </a:solidFill>
-            <a:headEnd type="none" w="med" len="med"/>
-            <a:tailEnd type="none" w="med" len="med"/>
-          </a:ln>
-          <a:effectLst/>
-        </p:spPr>
-        <p:style>
-          <a:lnRef idx="1">
-            <a:schemeClr val="accent2"/>
-          </a:lnRef>
-          <a:fillRef idx="2">
-            <a:schemeClr val="accent2"/>
-          </a:fillRef>
-          <a:effectRef idx="1">
-            <a:schemeClr val="accent2"/>
-          </a:effectRef>
-          <a:fontRef idx="minor">
-            <a:schemeClr val="dk1"/>
-          </a:fontRef>
-        </p:style>
-      </p:cxnSp>
     </p:spTree>
     <p:extLst>
       <p:ext uri="{BB962C8B-B14F-4D97-AF65-F5344CB8AC3E}">

--- a/docs/diagrams/UiComponentClassDiagram.pptx
+++ b/docs/diagrams/UiComponentClassDiagram.pptx
@@ -5,10 +5,12 @@
     <p:sldMasterId id="2147483648" r:id="rId1"/>
   </p:sldMasterIdLst>
   <p:notesMasterIdLst>
-    <p:notesMasterId r:id="rId3"/>
+    <p:notesMasterId r:id="rId5"/>
   </p:notesMasterIdLst>
   <p:sldIdLst>
     <p:sldId id="260" r:id="rId2"/>
+    <p:sldId id="261" r:id="rId3"/>
+    <p:sldId id="262" r:id="rId4"/>
   </p:sldIdLst>
   <p:sldSz cx="9144000" cy="6858000" type="screen4x3"/>
   <p:notesSz cx="6858000" cy="9144000"/>
@@ -126,6 +128,10 @@
 </p:presentation>
 </file>
 
+<file path=ppt/revisionInfo.xml><?xml version="1.0" encoding="utf-8"?>
+<p1510:revInfo xmlns:a="http://schemas.openxmlformats.org/drawingml/2006/main" xmlns:r="http://schemas.openxmlformats.org/officeDocument/2006/relationships" xmlns:p1510="http://schemas.microsoft.com/office/powerpoint/2015/10/main"/>
+</file>
+
 <file path=ppt/notesMasters/notesMaster1.xml><?xml version="1.0" encoding="utf-8"?>
 <p:notesMaster xmlns:a="http://schemas.openxmlformats.org/drawingml/2006/main" xmlns:r="http://schemas.openxmlformats.org/officeDocument/2006/relationships" xmlns:p="http://schemas.openxmlformats.org/presentationml/2006/main">
   <p:cSld>
@@ -208,7 +214,7 @@
           <a:p>
             <a:fld id="{F5CC4B3F-88C1-4FFA-B1B6-F41C21DC6924}" type="datetimeFigureOut">
               <a:rPr lang="en-US" smtClean="0"/>
-              <a:t>11/2/2017</a:t>
+              <a:t>11/13/2017</a:t>
             </a:fld>
             <a:endParaRPr lang="en-US"/>
           </a:p>
@@ -654,7 +660,7 @@
           <a:p>
             <a:fld id="{78C97017-6FC3-485B-9764-EAC9E56C1D49}" type="datetimeFigureOut">
               <a:rPr lang="en-US" smtClean="0"/>
-              <a:t>11/2/2017</a:t>
+              <a:t>11/13/2017</a:t>
             </a:fld>
             <a:endParaRPr lang="en-US"/>
           </a:p>
@@ -822,7 +828,7 @@
           <a:p>
             <a:fld id="{78C97017-6FC3-485B-9764-EAC9E56C1D49}" type="datetimeFigureOut">
               <a:rPr lang="en-US" smtClean="0"/>
-              <a:t>11/2/2017</a:t>
+              <a:t>11/13/2017</a:t>
             </a:fld>
             <a:endParaRPr lang="en-US"/>
           </a:p>
@@ -1000,7 +1006,7 @@
           <a:p>
             <a:fld id="{78C97017-6FC3-485B-9764-EAC9E56C1D49}" type="datetimeFigureOut">
               <a:rPr lang="en-US" smtClean="0"/>
-              <a:t>11/2/2017</a:t>
+              <a:t>11/13/2017</a:t>
             </a:fld>
             <a:endParaRPr lang="en-US"/>
           </a:p>
@@ -1168,7 +1174,7 @@
           <a:p>
             <a:fld id="{78C97017-6FC3-485B-9764-EAC9E56C1D49}" type="datetimeFigureOut">
               <a:rPr lang="en-US" smtClean="0"/>
-              <a:t>11/2/2017</a:t>
+              <a:t>11/13/2017</a:t>
             </a:fld>
             <a:endParaRPr lang="en-US"/>
           </a:p>
@@ -1413,7 +1419,7 @@
           <a:p>
             <a:fld id="{78C97017-6FC3-485B-9764-EAC9E56C1D49}" type="datetimeFigureOut">
               <a:rPr lang="en-US" smtClean="0"/>
-              <a:t>11/2/2017</a:t>
+              <a:t>11/13/2017</a:t>
             </a:fld>
             <a:endParaRPr lang="en-US"/>
           </a:p>
@@ -1698,7 +1704,7 @@
           <a:p>
             <a:fld id="{78C97017-6FC3-485B-9764-EAC9E56C1D49}" type="datetimeFigureOut">
               <a:rPr lang="en-US" smtClean="0"/>
-              <a:t>11/2/2017</a:t>
+              <a:t>11/13/2017</a:t>
             </a:fld>
             <a:endParaRPr lang="en-US"/>
           </a:p>
@@ -2117,7 +2123,7 @@
           <a:p>
             <a:fld id="{78C97017-6FC3-485B-9764-EAC9E56C1D49}" type="datetimeFigureOut">
               <a:rPr lang="en-US" smtClean="0"/>
-              <a:t>11/2/2017</a:t>
+              <a:t>11/13/2017</a:t>
             </a:fld>
             <a:endParaRPr lang="en-US"/>
           </a:p>
@@ -2234,7 +2240,7 @@
           <a:p>
             <a:fld id="{78C97017-6FC3-485B-9764-EAC9E56C1D49}" type="datetimeFigureOut">
               <a:rPr lang="en-US" smtClean="0"/>
-              <a:t>11/2/2017</a:t>
+              <a:t>11/13/2017</a:t>
             </a:fld>
             <a:endParaRPr lang="en-US"/>
           </a:p>
@@ -2329,7 +2335,7 @@
           <a:p>
             <a:fld id="{78C97017-6FC3-485B-9764-EAC9E56C1D49}" type="datetimeFigureOut">
               <a:rPr lang="en-US" smtClean="0"/>
-              <a:t>11/2/2017</a:t>
+              <a:t>11/13/2017</a:t>
             </a:fld>
             <a:endParaRPr lang="en-US"/>
           </a:p>
@@ -2604,7 +2610,7 @@
           <a:p>
             <a:fld id="{78C97017-6FC3-485B-9764-EAC9E56C1D49}" type="datetimeFigureOut">
               <a:rPr lang="en-US" smtClean="0"/>
-              <a:t>11/2/2017</a:t>
+              <a:t>11/13/2017</a:t>
             </a:fld>
             <a:endParaRPr lang="en-US"/>
           </a:p>
@@ -2856,7 +2862,7 @@
           <a:p>
             <a:fld id="{78C97017-6FC3-485B-9764-EAC9E56C1D49}" type="datetimeFigureOut">
               <a:rPr lang="en-US" smtClean="0"/>
-              <a:t>11/2/2017</a:t>
+              <a:t>11/13/2017</a:t>
             </a:fld>
             <a:endParaRPr lang="en-US"/>
           </a:p>
@@ -3067,7 +3073,7 @@
           <a:p>
             <a:fld id="{78C97017-6FC3-485B-9764-EAC9E56C1D49}" type="datetimeFigureOut">
               <a:rPr lang="en-US" smtClean="0"/>
-              <a:t>11/2/2017</a:t>
+              <a:t>11/13/2017</a:t>
             </a:fld>
             <a:endParaRPr lang="en-US"/>
           </a:p>
@@ -6142,6 +6148,875 @@
     <p:extLst>
       <p:ext uri="{BB962C8B-B14F-4D97-AF65-F5344CB8AC3E}">
         <p14:creationId xmlns:p14="http://schemas.microsoft.com/office/powerpoint/2010/main" val="2776882492"/>
+      </p:ext>
+    </p:extLst>
+  </p:cSld>
+  <p:clrMapOvr>
+    <a:masterClrMapping/>
+  </p:clrMapOvr>
+</p:sld>
+</file>
+
+<file path=ppt/slides/slide2.xml><?xml version="1.0" encoding="utf-8"?>
+<p:sld xmlns:a="http://schemas.openxmlformats.org/drawingml/2006/main" xmlns:r="http://schemas.openxmlformats.org/officeDocument/2006/relationships" xmlns:p="http://schemas.openxmlformats.org/presentationml/2006/main">
+  <p:cSld>
+    <p:spTree>
+      <p:nvGrpSpPr>
+        <p:cNvPr id="1" name=""/>
+        <p:cNvGrpSpPr/>
+        <p:nvPr/>
+      </p:nvGrpSpPr>
+      <p:grpSpPr>
+        <a:xfrm>
+          <a:off x="0" y="0"/>
+          <a:ext cx="0" cy="0"/>
+          <a:chOff x="0" y="0"/>
+          <a:chExt cx="0" cy="0"/>
+        </a:xfrm>
+      </p:grpSpPr>
+      <p:sp>
+        <p:nvSpPr>
+          <p:cNvPr id="3" name="Rectangle 65">
+            <a:extLst>
+              <a:ext uri="{FF2B5EF4-FFF2-40B4-BE49-F238E27FC236}">
+                <a16:creationId xmlns:a16="http://schemas.microsoft.com/office/drawing/2014/main" id="{50F43D07-3B7C-461A-A129-C563CD9C7AD5}"/>
+              </a:ext>
+            </a:extLst>
+          </p:cNvPr>
+          <p:cNvSpPr/>
+          <p:nvPr/>
+        </p:nvSpPr>
+        <p:spPr>
+          <a:xfrm>
+            <a:off x="1828800" y="1667338"/>
+            <a:ext cx="5410200" cy="2523662"/>
+          </a:xfrm>
+          <a:prstGeom prst="roundRect">
+            <a:avLst>
+              <a:gd name="adj" fmla="val 3484"/>
+            </a:avLst>
+          </a:prstGeom>
+          <a:solidFill>
+            <a:schemeClr val="accent1">
+              <a:lumMod val="20000"/>
+              <a:lumOff val="80000"/>
+            </a:schemeClr>
+          </a:solidFill>
+          <a:ln w="19050">
+            <a:noFill/>
+          </a:ln>
+          <a:effectLst/>
+        </p:spPr>
+        <p:style>
+          <a:lnRef idx="1">
+            <a:schemeClr val="accent2"/>
+          </a:lnRef>
+          <a:fillRef idx="2">
+            <a:schemeClr val="accent2"/>
+          </a:fillRef>
+          <a:effectRef idx="1">
+            <a:schemeClr val="accent2"/>
+          </a:effectRef>
+          <a:fontRef idx="minor">
+            <a:schemeClr val="dk1"/>
+          </a:fontRef>
+        </p:style>
+        <p:txBody>
+          <a:bodyPr rtlCol="0" anchor="t"/>
+          <a:lstStyle/>
+          <a:p>
+            <a:r>
+              <a:rPr lang="en-US" sz="1200" b="1" dirty="0">
+                <a:solidFill>
+                  <a:srgbClr val="0070C0"/>
+                </a:solidFill>
+              </a:rPr>
+              <a:t>UI</a:t>
+            </a:r>
+            <a:endParaRPr lang="en-SG" sz="1200" b="1" dirty="0">
+              <a:solidFill>
+                <a:srgbClr val="0070C0"/>
+              </a:solidFill>
+            </a:endParaRPr>
+          </a:p>
+        </p:txBody>
+      </p:sp>
+      <p:cxnSp>
+        <p:nvCxnSpPr>
+          <p:cNvPr id="5" name="Elbow Connector 95">
+            <a:extLst>
+              <a:ext uri="{FF2B5EF4-FFF2-40B4-BE49-F238E27FC236}">
+                <a16:creationId xmlns:a16="http://schemas.microsoft.com/office/drawing/2014/main" id="{AD9FDF45-FDBC-4875-96F7-03833ADB367A}"/>
+              </a:ext>
+            </a:extLst>
+          </p:cNvPr>
+          <p:cNvCxnSpPr>
+            <a:cxnSpLocks/>
+            <a:stCxn id="21" idx="3"/>
+          </p:cNvCxnSpPr>
+          <p:nvPr/>
+        </p:nvCxnSpPr>
+        <p:spPr>
+          <a:xfrm rot="10800000">
+            <a:off x="3581398" y="2528241"/>
+            <a:ext cx="1802503" cy="324381"/>
+          </a:xfrm>
+          <a:prstGeom prst="bentConnector3">
+            <a:avLst>
+              <a:gd name="adj1" fmla="val 50000"/>
+            </a:avLst>
+          </a:prstGeom>
+          <a:ln w="19050">
+            <a:headEnd type="none" w="med" len="med"/>
+            <a:tailEnd type="none" w="med" len="med"/>
+          </a:ln>
+        </p:spPr>
+        <p:style>
+          <a:lnRef idx="1">
+            <a:schemeClr val="accent1"/>
+          </a:lnRef>
+          <a:fillRef idx="0">
+            <a:schemeClr val="accent1"/>
+          </a:fillRef>
+          <a:effectRef idx="0">
+            <a:schemeClr val="accent1"/>
+          </a:effectRef>
+          <a:fontRef idx="minor">
+            <a:schemeClr val="tx1"/>
+          </a:fontRef>
+        </p:style>
+      </p:cxnSp>
+      <p:sp>
+        <p:nvSpPr>
+          <p:cNvPr id="16" name="Rectangle 11">
+            <a:extLst>
+              <a:ext uri="{FF2B5EF4-FFF2-40B4-BE49-F238E27FC236}">
+                <a16:creationId xmlns:a16="http://schemas.microsoft.com/office/drawing/2014/main" id="{50111C96-48AF-47D0-BB8C-97B8E0B4BD2F}"/>
+              </a:ext>
+            </a:extLst>
+          </p:cNvPr>
+          <p:cNvSpPr/>
+          <p:nvPr/>
+        </p:nvSpPr>
+        <p:spPr>
+          <a:xfrm flipH="1">
+            <a:off x="2110134" y="2311029"/>
+            <a:ext cx="1471264" cy="434423"/>
+          </a:xfrm>
+          <a:prstGeom prst="rect">
+            <a:avLst/>
+          </a:prstGeom>
+          <a:ln w="19050">
+            <a:solidFill>
+              <a:srgbClr val="0070C0"/>
+            </a:solidFill>
+          </a:ln>
+          <a:effectLst/>
+        </p:spPr>
+        <p:style>
+          <a:lnRef idx="1">
+            <a:schemeClr val="accent1"/>
+          </a:lnRef>
+          <a:fillRef idx="2">
+            <a:schemeClr val="accent1"/>
+          </a:fillRef>
+          <a:effectRef idx="1">
+            <a:schemeClr val="accent1"/>
+          </a:effectRef>
+          <a:fontRef idx="minor">
+            <a:schemeClr val="dk1"/>
+          </a:fontRef>
+        </p:style>
+        <p:txBody>
+          <a:bodyPr rtlCol="0" anchor="ctr"/>
+          <a:lstStyle/>
+          <a:p>
+            <a:pPr algn="ctr"/>
+            <a:r>
+              <a:rPr lang="en-US" sz="1050" b="1" dirty="0">
+                <a:solidFill>
+                  <a:srgbClr val="0070C0"/>
+                </a:solidFill>
+              </a:rPr>
+              <a:t>Birthday Statistics Panel</a:t>
+            </a:r>
+          </a:p>
+        </p:txBody>
+      </p:sp>
+      <p:sp>
+        <p:nvSpPr>
+          <p:cNvPr id="19" name="Rectangle 11">
+            <a:extLst>
+              <a:ext uri="{FF2B5EF4-FFF2-40B4-BE49-F238E27FC236}">
+                <a16:creationId xmlns:a16="http://schemas.microsoft.com/office/drawing/2014/main" id="{C8476C99-0F04-40C8-BFB1-165B0AC4C06F}"/>
+              </a:ext>
+            </a:extLst>
+          </p:cNvPr>
+          <p:cNvSpPr/>
+          <p:nvPr/>
+        </p:nvSpPr>
+        <p:spPr>
+          <a:xfrm flipH="1">
+            <a:off x="5628610" y="2667000"/>
+            <a:ext cx="1175194" cy="359669"/>
+          </a:xfrm>
+          <a:prstGeom prst="rect">
+            <a:avLst/>
+          </a:prstGeom>
+          <a:ln w="19050">
+            <a:solidFill>
+              <a:srgbClr val="0070C0"/>
+            </a:solidFill>
+          </a:ln>
+          <a:effectLst/>
+        </p:spPr>
+        <p:style>
+          <a:lnRef idx="1">
+            <a:schemeClr val="accent1"/>
+          </a:lnRef>
+          <a:fillRef idx="2">
+            <a:schemeClr val="accent1"/>
+          </a:fillRef>
+          <a:effectRef idx="1">
+            <a:schemeClr val="accent1"/>
+          </a:effectRef>
+          <a:fontRef idx="minor">
+            <a:schemeClr val="dk1"/>
+          </a:fontRef>
+        </p:style>
+        <p:txBody>
+          <a:bodyPr rtlCol="0" anchor="ctr"/>
+          <a:lstStyle/>
+          <a:p>
+            <a:pPr algn="ctr"/>
+            <a:r>
+              <a:rPr lang="en-SG" sz="1050" b="1" dirty="0">
+                <a:solidFill>
+                  <a:srgbClr val="0070C0"/>
+                </a:solidFill>
+              </a:rPr>
+              <a:t>{abstract}</a:t>
+            </a:r>
+          </a:p>
+          <a:p>
+            <a:pPr algn="ctr"/>
+            <a:r>
+              <a:rPr lang="en-SG" sz="1050" b="1" dirty="0" err="1">
+                <a:solidFill>
+                  <a:srgbClr val="0070C0"/>
+                </a:solidFill>
+              </a:rPr>
+              <a:t>UiPart</a:t>
+            </a:r>
+            <a:endParaRPr lang="en-US" sz="1050" b="1" dirty="0">
+              <a:solidFill>
+                <a:srgbClr val="0070C0"/>
+              </a:solidFill>
+            </a:endParaRPr>
+          </a:p>
+        </p:txBody>
+      </p:sp>
+      <p:sp>
+        <p:nvSpPr>
+          <p:cNvPr id="21" name="Isosceles Triangle 102">
+            <a:extLst>
+              <a:ext uri="{FF2B5EF4-FFF2-40B4-BE49-F238E27FC236}">
+                <a16:creationId xmlns:a16="http://schemas.microsoft.com/office/drawing/2014/main" id="{B2876B6D-F3D6-4937-AFDB-EE4ACF802C6D}"/>
+              </a:ext>
+            </a:extLst>
+          </p:cNvPr>
+          <p:cNvSpPr/>
+          <p:nvPr/>
+        </p:nvSpPr>
+        <p:spPr>
+          <a:xfrm rot="16200000" flipV="1">
+            <a:off x="5336409" y="2764859"/>
+            <a:ext cx="270504" cy="175523"/>
+          </a:xfrm>
+          <a:prstGeom prst="triangle">
+            <a:avLst/>
+          </a:prstGeom>
+          <a:solidFill>
+            <a:schemeClr val="tx2">
+              <a:lumMod val="60000"/>
+              <a:lumOff val="40000"/>
+            </a:schemeClr>
+          </a:solidFill>
+          <a:ln w="19050">
+            <a:solidFill>
+              <a:srgbClr val="0070C0"/>
+            </a:solidFill>
+          </a:ln>
+          <a:effectLst/>
+        </p:spPr>
+        <p:style>
+          <a:lnRef idx="1">
+            <a:schemeClr val="accent1"/>
+          </a:lnRef>
+          <a:fillRef idx="2">
+            <a:schemeClr val="accent1"/>
+          </a:fillRef>
+          <a:effectRef idx="1">
+            <a:schemeClr val="accent1"/>
+          </a:effectRef>
+          <a:fontRef idx="minor">
+            <a:schemeClr val="dk1"/>
+          </a:fontRef>
+        </p:style>
+        <p:txBody>
+          <a:bodyPr rtlCol="0" anchor="ctr"/>
+          <a:lstStyle/>
+          <a:p>
+            <a:pPr algn="ctr"/>
+            <a:endParaRPr lang="en-SG" sz="1050" b="1">
+              <a:solidFill>
+                <a:srgbClr val="92D050"/>
+              </a:solidFill>
+            </a:endParaRPr>
+          </a:p>
+        </p:txBody>
+      </p:sp>
+      <p:sp>
+        <p:nvSpPr>
+          <p:cNvPr id="8" name="Rectangle 11">
+            <a:extLst>
+              <a:ext uri="{FF2B5EF4-FFF2-40B4-BE49-F238E27FC236}">
+                <a16:creationId xmlns:a16="http://schemas.microsoft.com/office/drawing/2014/main" id="{3E858FF2-DA91-4BA0-A7C8-7CDEB73A0EFB}"/>
+              </a:ext>
+            </a:extLst>
+          </p:cNvPr>
+          <p:cNvSpPr/>
+          <p:nvPr/>
+        </p:nvSpPr>
+        <p:spPr>
+          <a:xfrm flipH="1">
+            <a:off x="2110134" y="3087388"/>
+            <a:ext cx="1471264" cy="434423"/>
+          </a:xfrm>
+          <a:prstGeom prst="rect">
+            <a:avLst/>
+          </a:prstGeom>
+          <a:ln w="19050">
+            <a:solidFill>
+              <a:srgbClr val="0070C0"/>
+            </a:solidFill>
+          </a:ln>
+          <a:effectLst/>
+        </p:spPr>
+        <p:style>
+          <a:lnRef idx="1">
+            <a:schemeClr val="accent1"/>
+          </a:lnRef>
+          <a:fillRef idx="2">
+            <a:schemeClr val="accent1"/>
+          </a:fillRef>
+          <a:effectRef idx="1">
+            <a:schemeClr val="accent1"/>
+          </a:effectRef>
+          <a:fontRef idx="minor">
+            <a:schemeClr val="dk1"/>
+          </a:fontRef>
+        </p:style>
+        <p:txBody>
+          <a:bodyPr rtlCol="0" anchor="ctr"/>
+          <a:lstStyle/>
+          <a:p>
+            <a:pPr algn="ctr"/>
+            <a:r>
+              <a:rPr lang="en-US" sz="1050" b="1" dirty="0">
+                <a:solidFill>
+                  <a:srgbClr val="0070C0"/>
+                </a:solidFill>
+              </a:rPr>
+              <a:t>Tag Statistics Panel</a:t>
+            </a:r>
+          </a:p>
+        </p:txBody>
+      </p:sp>
+      <p:cxnSp>
+        <p:nvCxnSpPr>
+          <p:cNvPr id="9" name="Elbow Connector 95">
+            <a:extLst>
+              <a:ext uri="{FF2B5EF4-FFF2-40B4-BE49-F238E27FC236}">
+                <a16:creationId xmlns:a16="http://schemas.microsoft.com/office/drawing/2014/main" id="{690CD183-5828-41E9-A324-F8E0E3650FA8}"/>
+              </a:ext>
+            </a:extLst>
+          </p:cNvPr>
+          <p:cNvCxnSpPr>
+            <a:cxnSpLocks/>
+            <a:endCxn id="8" idx="1"/>
+          </p:cNvCxnSpPr>
+          <p:nvPr/>
+        </p:nvCxnSpPr>
+        <p:spPr>
+          <a:xfrm rot="10800000" flipV="1">
+            <a:off x="3581399" y="2855306"/>
+            <a:ext cx="1878705" cy="449294"/>
+          </a:xfrm>
+          <a:prstGeom prst="bentConnector3">
+            <a:avLst>
+              <a:gd name="adj1" fmla="val 52001"/>
+            </a:avLst>
+          </a:prstGeom>
+          <a:ln w="19050">
+            <a:headEnd type="none" w="med" len="med"/>
+            <a:tailEnd type="none" w="med" len="med"/>
+          </a:ln>
+        </p:spPr>
+        <p:style>
+          <a:lnRef idx="1">
+            <a:schemeClr val="accent1"/>
+          </a:lnRef>
+          <a:fillRef idx="0">
+            <a:schemeClr val="accent1"/>
+          </a:fillRef>
+          <a:effectRef idx="0">
+            <a:schemeClr val="accent1"/>
+          </a:effectRef>
+          <a:fontRef idx="minor">
+            <a:schemeClr val="tx1"/>
+          </a:fontRef>
+        </p:style>
+      </p:cxnSp>
+    </p:spTree>
+    <p:extLst>
+      <p:ext uri="{BB962C8B-B14F-4D97-AF65-F5344CB8AC3E}">
+        <p14:creationId xmlns:p14="http://schemas.microsoft.com/office/powerpoint/2010/main" val="2207275622"/>
+      </p:ext>
+    </p:extLst>
+  </p:cSld>
+  <p:clrMapOvr>
+    <a:masterClrMapping/>
+  </p:clrMapOvr>
+</p:sld>
+</file>
+
+<file path=ppt/slides/slide3.xml><?xml version="1.0" encoding="utf-8"?>
+<p:sld xmlns:a="http://schemas.openxmlformats.org/drawingml/2006/main" xmlns:r="http://schemas.openxmlformats.org/officeDocument/2006/relationships" xmlns:p="http://schemas.openxmlformats.org/presentationml/2006/main">
+  <p:cSld>
+    <p:spTree>
+      <p:nvGrpSpPr>
+        <p:cNvPr id="1" name=""/>
+        <p:cNvGrpSpPr/>
+        <p:nvPr/>
+      </p:nvGrpSpPr>
+      <p:grpSpPr>
+        <a:xfrm>
+          <a:off x="0" y="0"/>
+          <a:ext cx="0" cy="0"/>
+          <a:chOff x="0" y="0"/>
+          <a:chExt cx="0" cy="0"/>
+        </a:xfrm>
+      </p:grpSpPr>
+      <p:sp>
+        <p:nvSpPr>
+          <p:cNvPr id="3" name="Rectangle 65">
+            <a:extLst>
+              <a:ext uri="{FF2B5EF4-FFF2-40B4-BE49-F238E27FC236}">
+                <a16:creationId xmlns:a16="http://schemas.microsoft.com/office/drawing/2014/main" id="{50F43D07-3B7C-461A-A129-C563CD9C7AD5}"/>
+              </a:ext>
+            </a:extLst>
+          </p:cNvPr>
+          <p:cNvSpPr/>
+          <p:nvPr/>
+        </p:nvSpPr>
+        <p:spPr>
+          <a:xfrm>
+            <a:off x="1828800" y="1667338"/>
+            <a:ext cx="5410200" cy="2523662"/>
+          </a:xfrm>
+          <a:prstGeom prst="roundRect">
+            <a:avLst>
+              <a:gd name="adj" fmla="val 3484"/>
+            </a:avLst>
+          </a:prstGeom>
+          <a:solidFill>
+            <a:schemeClr val="accent1">
+              <a:lumMod val="20000"/>
+              <a:lumOff val="80000"/>
+            </a:schemeClr>
+          </a:solidFill>
+          <a:ln w="19050">
+            <a:noFill/>
+          </a:ln>
+          <a:effectLst/>
+        </p:spPr>
+        <p:style>
+          <a:lnRef idx="1">
+            <a:schemeClr val="accent2"/>
+          </a:lnRef>
+          <a:fillRef idx="2">
+            <a:schemeClr val="accent2"/>
+          </a:fillRef>
+          <a:effectRef idx="1">
+            <a:schemeClr val="accent2"/>
+          </a:effectRef>
+          <a:fontRef idx="minor">
+            <a:schemeClr val="dk1"/>
+          </a:fontRef>
+        </p:style>
+        <p:txBody>
+          <a:bodyPr rtlCol="0" anchor="t"/>
+          <a:lstStyle/>
+          <a:p>
+            <a:r>
+              <a:rPr lang="en-US" sz="1200" b="1" dirty="0">
+                <a:solidFill>
+                  <a:srgbClr val="0070C0"/>
+                </a:solidFill>
+              </a:rPr>
+              <a:t>UI</a:t>
+            </a:r>
+            <a:endParaRPr lang="en-SG" sz="1200" b="1" dirty="0">
+              <a:solidFill>
+                <a:srgbClr val="0070C0"/>
+              </a:solidFill>
+            </a:endParaRPr>
+          </a:p>
+        </p:txBody>
+      </p:sp>
+      <p:cxnSp>
+        <p:nvCxnSpPr>
+          <p:cNvPr id="5" name="Elbow Connector 95">
+            <a:extLst>
+              <a:ext uri="{FF2B5EF4-FFF2-40B4-BE49-F238E27FC236}">
+                <a16:creationId xmlns:a16="http://schemas.microsoft.com/office/drawing/2014/main" id="{AD9FDF45-FDBC-4875-96F7-03833ADB367A}"/>
+              </a:ext>
+            </a:extLst>
+          </p:cNvPr>
+          <p:cNvCxnSpPr>
+            <a:cxnSpLocks/>
+            <a:stCxn id="21" idx="3"/>
+            <a:endCxn id="16" idx="1"/>
+          </p:cNvCxnSpPr>
+          <p:nvPr/>
+        </p:nvCxnSpPr>
+        <p:spPr>
+          <a:xfrm rot="10800000">
+            <a:off x="3581398" y="2500157"/>
+            <a:ext cx="1802502" cy="352464"/>
+          </a:xfrm>
+          <a:prstGeom prst="bentConnector3">
+            <a:avLst>
+              <a:gd name="adj1" fmla="val 50000"/>
+            </a:avLst>
+          </a:prstGeom>
+          <a:ln w="19050">
+            <a:headEnd type="none" w="med" len="med"/>
+            <a:tailEnd type="none" w="med" len="med"/>
+          </a:ln>
+        </p:spPr>
+        <p:style>
+          <a:lnRef idx="1">
+            <a:schemeClr val="accent1"/>
+          </a:lnRef>
+          <a:fillRef idx="0">
+            <a:schemeClr val="accent1"/>
+          </a:fillRef>
+          <a:effectRef idx="0">
+            <a:schemeClr val="accent1"/>
+          </a:effectRef>
+          <a:fontRef idx="minor">
+            <a:schemeClr val="tx1"/>
+          </a:fontRef>
+        </p:style>
+      </p:cxnSp>
+      <p:sp>
+        <p:nvSpPr>
+          <p:cNvPr id="16" name="Rectangle 11">
+            <a:extLst>
+              <a:ext uri="{FF2B5EF4-FFF2-40B4-BE49-F238E27FC236}">
+                <a16:creationId xmlns:a16="http://schemas.microsoft.com/office/drawing/2014/main" id="{50111C96-48AF-47D0-BB8C-97B8E0B4BD2F}"/>
+              </a:ext>
+            </a:extLst>
+          </p:cNvPr>
+          <p:cNvSpPr/>
+          <p:nvPr/>
+        </p:nvSpPr>
+        <p:spPr>
+          <a:xfrm flipH="1">
+            <a:off x="2110134" y="2282945"/>
+            <a:ext cx="1471264" cy="434423"/>
+          </a:xfrm>
+          <a:prstGeom prst="rect">
+            <a:avLst/>
+          </a:prstGeom>
+          <a:ln w="19050">
+            <a:solidFill>
+              <a:srgbClr val="0070C0"/>
+            </a:solidFill>
+          </a:ln>
+          <a:effectLst/>
+        </p:spPr>
+        <p:style>
+          <a:lnRef idx="1">
+            <a:schemeClr val="accent1"/>
+          </a:lnRef>
+          <a:fillRef idx="2">
+            <a:schemeClr val="accent1"/>
+          </a:fillRef>
+          <a:effectRef idx="1">
+            <a:schemeClr val="accent1"/>
+          </a:effectRef>
+          <a:fontRef idx="minor">
+            <a:schemeClr val="dk1"/>
+          </a:fontRef>
+        </p:style>
+        <p:txBody>
+          <a:bodyPr rtlCol="0" anchor="ctr"/>
+          <a:lstStyle/>
+          <a:p>
+            <a:pPr algn="ctr"/>
+            <a:r>
+              <a:rPr lang="en-US" sz="1050" b="1" dirty="0">
+                <a:solidFill>
+                  <a:srgbClr val="0070C0"/>
+                </a:solidFill>
+              </a:rPr>
+              <a:t>Home Panel</a:t>
+            </a:r>
+          </a:p>
+        </p:txBody>
+      </p:sp>
+      <p:sp>
+        <p:nvSpPr>
+          <p:cNvPr id="19" name="Rectangle 11">
+            <a:extLst>
+              <a:ext uri="{FF2B5EF4-FFF2-40B4-BE49-F238E27FC236}">
+                <a16:creationId xmlns:a16="http://schemas.microsoft.com/office/drawing/2014/main" id="{C8476C99-0F04-40C8-BFB1-165B0AC4C06F}"/>
+              </a:ext>
+            </a:extLst>
+          </p:cNvPr>
+          <p:cNvSpPr/>
+          <p:nvPr/>
+        </p:nvSpPr>
+        <p:spPr>
+          <a:xfrm flipH="1">
+            <a:off x="5628610" y="2667000"/>
+            <a:ext cx="1175194" cy="359669"/>
+          </a:xfrm>
+          <a:prstGeom prst="rect">
+            <a:avLst/>
+          </a:prstGeom>
+          <a:ln w="19050">
+            <a:solidFill>
+              <a:srgbClr val="0070C0"/>
+            </a:solidFill>
+          </a:ln>
+          <a:effectLst/>
+        </p:spPr>
+        <p:style>
+          <a:lnRef idx="1">
+            <a:schemeClr val="accent1"/>
+          </a:lnRef>
+          <a:fillRef idx="2">
+            <a:schemeClr val="accent1"/>
+          </a:fillRef>
+          <a:effectRef idx="1">
+            <a:schemeClr val="accent1"/>
+          </a:effectRef>
+          <a:fontRef idx="minor">
+            <a:schemeClr val="dk1"/>
+          </a:fontRef>
+        </p:style>
+        <p:txBody>
+          <a:bodyPr rtlCol="0" anchor="ctr"/>
+          <a:lstStyle/>
+          <a:p>
+            <a:pPr algn="ctr"/>
+            <a:r>
+              <a:rPr lang="en-SG" sz="1050" b="1" dirty="0">
+                <a:solidFill>
+                  <a:srgbClr val="0070C0"/>
+                </a:solidFill>
+              </a:rPr>
+              <a:t>{abstract}</a:t>
+            </a:r>
+          </a:p>
+          <a:p>
+            <a:pPr algn="ctr"/>
+            <a:r>
+              <a:rPr lang="en-SG" sz="1050" b="1" dirty="0" err="1">
+                <a:solidFill>
+                  <a:srgbClr val="0070C0"/>
+                </a:solidFill>
+              </a:rPr>
+              <a:t>UiPart</a:t>
+            </a:r>
+            <a:endParaRPr lang="en-US" sz="1050" b="1" dirty="0">
+              <a:solidFill>
+                <a:srgbClr val="0070C0"/>
+              </a:solidFill>
+            </a:endParaRPr>
+          </a:p>
+        </p:txBody>
+      </p:sp>
+      <p:sp>
+        <p:nvSpPr>
+          <p:cNvPr id="21" name="Isosceles Triangle 102">
+            <a:extLst>
+              <a:ext uri="{FF2B5EF4-FFF2-40B4-BE49-F238E27FC236}">
+                <a16:creationId xmlns:a16="http://schemas.microsoft.com/office/drawing/2014/main" id="{B2876B6D-F3D6-4937-AFDB-EE4ACF802C6D}"/>
+              </a:ext>
+            </a:extLst>
+          </p:cNvPr>
+          <p:cNvSpPr/>
+          <p:nvPr/>
+        </p:nvSpPr>
+        <p:spPr>
+          <a:xfrm rot="16200000" flipV="1">
+            <a:off x="5336409" y="2764859"/>
+            <a:ext cx="270504" cy="175523"/>
+          </a:xfrm>
+          <a:prstGeom prst="triangle">
+            <a:avLst/>
+          </a:prstGeom>
+          <a:solidFill>
+            <a:schemeClr val="tx2">
+              <a:lumMod val="60000"/>
+              <a:lumOff val="40000"/>
+            </a:schemeClr>
+          </a:solidFill>
+          <a:ln w="19050">
+            <a:solidFill>
+              <a:srgbClr val="0070C0"/>
+            </a:solidFill>
+          </a:ln>
+          <a:effectLst/>
+        </p:spPr>
+        <p:style>
+          <a:lnRef idx="1">
+            <a:schemeClr val="accent1"/>
+          </a:lnRef>
+          <a:fillRef idx="2">
+            <a:schemeClr val="accent1"/>
+          </a:fillRef>
+          <a:effectRef idx="1">
+            <a:schemeClr val="accent1"/>
+          </a:effectRef>
+          <a:fontRef idx="minor">
+            <a:schemeClr val="dk1"/>
+          </a:fontRef>
+        </p:style>
+        <p:txBody>
+          <a:bodyPr rtlCol="0" anchor="ctr"/>
+          <a:lstStyle/>
+          <a:p>
+            <a:pPr algn="ctr"/>
+            <a:endParaRPr lang="en-SG" sz="1050" b="1">
+              <a:solidFill>
+                <a:srgbClr val="92D050"/>
+              </a:solidFill>
+            </a:endParaRPr>
+          </a:p>
+        </p:txBody>
+      </p:sp>
+      <p:sp>
+        <p:nvSpPr>
+          <p:cNvPr id="8" name="Rectangle 11">
+            <a:extLst>
+              <a:ext uri="{FF2B5EF4-FFF2-40B4-BE49-F238E27FC236}">
+                <a16:creationId xmlns:a16="http://schemas.microsoft.com/office/drawing/2014/main" id="{6254AF76-291D-44FF-B69F-3C9A150D28ED}"/>
+              </a:ext>
+            </a:extLst>
+          </p:cNvPr>
+          <p:cNvSpPr/>
+          <p:nvPr/>
+        </p:nvSpPr>
+        <p:spPr>
+          <a:xfrm flipH="1">
+            <a:off x="2110134" y="2956603"/>
+            <a:ext cx="1471264" cy="434423"/>
+          </a:xfrm>
+          <a:prstGeom prst="rect">
+            <a:avLst/>
+          </a:prstGeom>
+          <a:ln w="19050">
+            <a:solidFill>
+              <a:srgbClr val="0070C0"/>
+            </a:solidFill>
+          </a:ln>
+          <a:effectLst/>
+        </p:spPr>
+        <p:style>
+          <a:lnRef idx="1">
+            <a:schemeClr val="accent1"/>
+          </a:lnRef>
+          <a:fillRef idx="2">
+            <a:schemeClr val="accent1"/>
+          </a:fillRef>
+          <a:effectRef idx="1">
+            <a:schemeClr val="accent1"/>
+          </a:effectRef>
+          <a:fontRef idx="minor">
+            <a:schemeClr val="dk1"/>
+          </a:fontRef>
+        </p:style>
+        <p:txBody>
+          <a:bodyPr rtlCol="0" anchor="ctr"/>
+          <a:lstStyle/>
+          <a:p>
+            <a:pPr algn="ctr"/>
+            <a:r>
+              <a:rPr lang="en-US" sz="1050" b="1" dirty="0">
+                <a:solidFill>
+                  <a:srgbClr val="0070C0"/>
+                </a:solidFill>
+              </a:rPr>
+              <a:t>Help Panel</a:t>
+            </a:r>
+          </a:p>
+        </p:txBody>
+      </p:sp>
+      <p:cxnSp>
+        <p:nvCxnSpPr>
+          <p:cNvPr id="9" name="Elbow Connector 95">
+            <a:extLst>
+              <a:ext uri="{FF2B5EF4-FFF2-40B4-BE49-F238E27FC236}">
+                <a16:creationId xmlns:a16="http://schemas.microsoft.com/office/drawing/2014/main" id="{96D3FF93-F618-4696-B182-0DC4ECF5404E}"/>
+              </a:ext>
+            </a:extLst>
+          </p:cNvPr>
+          <p:cNvCxnSpPr>
+            <a:cxnSpLocks/>
+            <a:endCxn id="8" idx="1"/>
+          </p:cNvCxnSpPr>
+          <p:nvPr/>
+        </p:nvCxnSpPr>
+        <p:spPr>
+          <a:xfrm rot="10800000" flipV="1">
+            <a:off x="3581398" y="2852621"/>
+            <a:ext cx="1795540" cy="321194"/>
+          </a:xfrm>
+          <a:prstGeom prst="bentConnector3">
+            <a:avLst>
+              <a:gd name="adj1" fmla="val 50000"/>
+            </a:avLst>
+          </a:prstGeom>
+          <a:ln w="19050">
+            <a:headEnd type="none" w="med" len="med"/>
+            <a:tailEnd type="none" w="med" len="med"/>
+          </a:ln>
+        </p:spPr>
+        <p:style>
+          <a:lnRef idx="1">
+            <a:schemeClr val="accent1"/>
+          </a:lnRef>
+          <a:fillRef idx="0">
+            <a:schemeClr val="accent1"/>
+          </a:fillRef>
+          <a:effectRef idx="0">
+            <a:schemeClr val="accent1"/>
+          </a:effectRef>
+          <a:fontRef idx="minor">
+            <a:schemeClr val="tx1"/>
+          </a:fontRef>
+        </p:style>
+      </p:cxnSp>
+    </p:spTree>
+    <p:extLst>
+      <p:ext uri="{BB962C8B-B14F-4D97-AF65-F5344CB8AC3E}">
+        <p14:creationId xmlns:p14="http://schemas.microsoft.com/office/powerpoint/2010/main" val="3027914515"/>
       </p:ext>
     </p:extLst>
   </p:cSld>

--- a/docs/diagrams/UiComponentClassDiagram.pptx
+++ b/docs/diagrams/UiComponentClassDiagram.pptx
@@ -3457,7 +3457,7 @@
         <p:spPr>
           <a:xfrm>
             <a:off x="1227619" y="1447798"/>
-            <a:ext cx="4917083" cy="4876802"/>
+            <a:ext cx="4917083" cy="5181602"/>
           </a:xfrm>
           <a:prstGeom prst="roundRect">
             <a:avLst>
@@ -4835,8 +4835,8 @@
         </p:nvSpPr>
         <p:spPr>
           <a:xfrm rot="16200000">
-            <a:off x="5756538" y="5017575"/>
-            <a:ext cx="2286003" cy="328045"/>
+            <a:off x="5604138" y="5169974"/>
+            <a:ext cx="2590804" cy="328045"/>
           </a:xfrm>
           <a:prstGeom prst="roundRect">
             <a:avLst/>
@@ -5709,7 +5709,282 @@
         </p:nvCxnSpPr>
         <p:spPr>
           <a:xfrm rot="5400000">
-            <a:off x="3100193" y="3686370"/>
+            <a:off x="3115392" y="3664283"/>
+            <a:ext cx="3496203" cy="1338971"/>
+          </a:xfrm>
+          <a:prstGeom prst="bentConnector2">
+            <a:avLst/>
+          </a:prstGeom>
+          <a:ln w="6350">
+            <a:solidFill>
+              <a:schemeClr val="accent3"/>
+            </a:solidFill>
+            <a:headEnd type="none" w="med" len="med"/>
+            <a:tailEnd type="none" w="med" len="med"/>
+          </a:ln>
+          <a:effectLst/>
+        </p:spPr>
+        <p:style>
+          <a:lnRef idx="1">
+            <a:schemeClr val="accent2"/>
+          </a:lnRef>
+          <a:fillRef idx="2">
+            <a:schemeClr val="accent2"/>
+          </a:fillRef>
+          <a:effectRef idx="1">
+            <a:schemeClr val="accent2"/>
+          </a:effectRef>
+          <a:fontRef idx="minor">
+            <a:schemeClr val="dk1"/>
+          </a:fontRef>
+        </p:style>
+      </p:cxnSp>
+      <p:sp>
+        <p:nvSpPr>
+          <p:cNvPr id="143" name="Rectangle 142"/>
+          <p:cNvSpPr/>
+          <p:nvPr/>
+        </p:nvSpPr>
+        <p:spPr>
+          <a:xfrm>
+            <a:off x="5435896" y="2743200"/>
+            <a:ext cx="229325" cy="166560"/>
+          </a:xfrm>
+          <a:prstGeom prst="rect">
+            <a:avLst/>
+          </a:prstGeom>
+          <a:solidFill>
+            <a:schemeClr val="accent3">
+              <a:lumMod val="20000"/>
+              <a:lumOff val="80000"/>
+              <a:alpha val="80000"/>
+            </a:schemeClr>
+          </a:solidFill>
+          <a:ln>
+            <a:noFill/>
+          </a:ln>
+          <a:effectLst>
+            <a:softEdge rad="31750"/>
+          </a:effectLst>
+        </p:spPr>
+        <p:style>
+          <a:lnRef idx="2">
+            <a:schemeClr val="accent1">
+              <a:shade val="50000"/>
+            </a:schemeClr>
+          </a:lnRef>
+          <a:fillRef idx="1">
+            <a:schemeClr val="accent1"/>
+          </a:fillRef>
+          <a:effectRef idx="0">
+            <a:schemeClr val="accent1"/>
+          </a:effectRef>
+          <a:fontRef idx="minor">
+            <a:schemeClr val="lt1"/>
+          </a:fontRef>
+        </p:style>
+        <p:txBody>
+          <a:bodyPr rtlCol="0" anchor="ctr"/>
+          <a:lstStyle/>
+          <a:p>
+            <a:pPr algn="ctr"/>
+            <a:endParaRPr lang="en-SG"/>
+          </a:p>
+        </p:txBody>
+      </p:sp>
+      <p:sp>
+        <p:nvSpPr>
+          <p:cNvPr id="116" name="Freeform 115"/>
+          <p:cNvSpPr/>
+          <p:nvPr/>
+        </p:nvSpPr>
+        <p:spPr>
+          <a:xfrm>
+            <a:off x="3733799" y="2828802"/>
+            <a:ext cx="3001715" cy="142997"/>
+          </a:xfrm>
+          <a:custGeom>
+            <a:avLst/>
+            <a:gdLst>
+              <a:gd name="connsiteX0" fmla="*/ 0 w 3048000"/>
+              <a:gd name="connsiteY0" fmla="*/ 203200 h 203200"/>
+              <a:gd name="connsiteX1" fmla="*/ 221673 w 3048000"/>
+              <a:gd name="connsiteY1" fmla="*/ 0 h 203200"/>
+              <a:gd name="connsiteX2" fmla="*/ 3048000 w 3048000"/>
+              <a:gd name="connsiteY2" fmla="*/ 0 h 203200"/>
+            </a:gdLst>
+            <a:ahLst/>
+            <a:cxnLst>
+              <a:cxn ang="0">
+                <a:pos x="connsiteX0" y="connsiteY0"/>
+              </a:cxn>
+              <a:cxn ang="0">
+                <a:pos x="connsiteX1" y="connsiteY1"/>
+              </a:cxn>
+              <a:cxn ang="0">
+                <a:pos x="connsiteX2" y="connsiteY2"/>
+              </a:cxn>
+            </a:cxnLst>
+            <a:rect l="l" t="t" r="r" b="b"/>
+            <a:pathLst>
+              <a:path w="3048000" h="203200">
+                <a:moveTo>
+                  <a:pt x="0" y="203200"/>
+                </a:moveTo>
+                <a:lnTo>
+                  <a:pt x="221673" y="0"/>
+                </a:lnTo>
+                <a:lnTo>
+                  <a:pt x="3048000" y="0"/>
+                </a:lnTo>
+              </a:path>
+            </a:pathLst>
+          </a:custGeom>
+          <a:noFill/>
+          <a:ln w="19050">
+            <a:solidFill>
+              <a:schemeClr val="accent3"/>
+            </a:solidFill>
+            <a:prstDash val="solid"/>
+            <a:headEnd type="none" w="med" len="med"/>
+            <a:tailEnd type="arrow" w="med" len="med"/>
+          </a:ln>
+          <a:effectLst/>
+        </p:spPr>
+        <p:style>
+          <a:lnRef idx="1">
+            <a:schemeClr val="accent2"/>
+          </a:lnRef>
+          <a:fillRef idx="2">
+            <a:schemeClr val="accent2"/>
+          </a:fillRef>
+          <a:effectRef idx="1">
+            <a:schemeClr val="accent2"/>
+          </a:effectRef>
+          <a:fontRef idx="minor">
+            <a:schemeClr val="dk1"/>
+          </a:fontRef>
+        </p:style>
+        <p:txBody>
+          <a:bodyPr rtlCol="0" anchor="ctr"/>
+          <a:lstStyle/>
+          <a:p>
+            <a:pPr algn="ctr"/>
+            <a:endParaRPr lang="en-SG"/>
+          </a:p>
+        </p:txBody>
+      </p:sp>
+      <p:sp>
+        <p:nvSpPr>
+          <p:cNvPr id="57" name="Rectangle 11"/>
+          <p:cNvSpPr/>
+          <p:nvPr/>
+        </p:nvSpPr>
+        <p:spPr>
+          <a:xfrm>
+            <a:off x="2590798" y="6314156"/>
+            <a:ext cx="1600200" cy="236841"/>
+          </a:xfrm>
+          <a:prstGeom prst="rect">
+            <a:avLst/>
+          </a:prstGeom>
+          <a:ln w="19050">
+            <a:solidFill>
+              <a:schemeClr val="accent3"/>
+            </a:solidFill>
+          </a:ln>
+          <a:effectLst/>
+        </p:spPr>
+        <p:style>
+          <a:lnRef idx="1">
+            <a:schemeClr val="accent3"/>
+          </a:lnRef>
+          <a:fillRef idx="2">
+            <a:schemeClr val="accent3"/>
+          </a:fillRef>
+          <a:effectRef idx="1">
+            <a:schemeClr val="accent3"/>
+          </a:effectRef>
+          <a:fontRef idx="minor">
+            <a:schemeClr val="dk1"/>
+          </a:fontRef>
+        </p:style>
+        <p:txBody>
+          <a:bodyPr rtlCol="0" anchor="ctr"/>
+          <a:lstStyle/>
+          <a:p>
+            <a:pPr algn="ctr"/>
+            <a:r>
+              <a:rPr lang="en-SG" sz="1050" b="1" dirty="0" err="1">
+                <a:solidFill>
+                  <a:schemeClr val="accent3">
+                    <a:lumMod val="75000"/>
+                  </a:schemeClr>
+                </a:solidFill>
+              </a:rPr>
+              <a:t>TagStatisticsPanel</a:t>
+            </a:r>
+            <a:endParaRPr lang="en-SG" sz="1050" b="1" dirty="0">
+              <a:solidFill>
+                <a:schemeClr val="accent3">
+                  <a:lumMod val="75000"/>
+                </a:schemeClr>
+              </a:solidFill>
+            </a:endParaRPr>
+          </a:p>
+        </p:txBody>
+      </p:sp>
+      <p:cxnSp>
+        <p:nvCxnSpPr>
+          <p:cNvPr id="58" name="Elbow Connector 63"/>
+          <p:cNvCxnSpPr>
+            <a:cxnSpLocks/>
+          </p:cNvCxnSpPr>
+          <p:nvPr/>
+        </p:nvCxnSpPr>
+        <p:spPr>
+          <a:xfrm rot="16200000" flipH="1">
+            <a:off x="1224380" y="5048987"/>
+            <a:ext cx="2557681" cy="186602"/>
+          </a:xfrm>
+          <a:prstGeom prst="bentConnector2">
+            <a:avLst/>
+          </a:prstGeom>
+          <a:ln w="19050">
+            <a:solidFill>
+              <a:schemeClr val="accent3"/>
+            </a:solidFill>
+            <a:headEnd type="none" w="med" len="med"/>
+            <a:tailEnd type="arrow" w="med" len="med"/>
+          </a:ln>
+          <a:effectLst/>
+        </p:spPr>
+        <p:style>
+          <a:lnRef idx="1">
+            <a:schemeClr val="accent2"/>
+          </a:lnRef>
+          <a:fillRef idx="2">
+            <a:schemeClr val="accent2"/>
+          </a:fillRef>
+          <a:effectRef idx="1">
+            <a:schemeClr val="accent2"/>
+          </a:effectRef>
+          <a:fontRef idx="minor">
+            <a:schemeClr val="dk1"/>
+          </a:fontRef>
+        </p:style>
+      </p:cxnSp>
+      <p:cxnSp>
+        <p:nvCxnSpPr>
+          <p:cNvPr id="59" name="Elbow Connector 63"/>
+          <p:cNvCxnSpPr>
+            <a:cxnSpLocks/>
+          </p:cNvCxnSpPr>
+          <p:nvPr/>
+        </p:nvCxnSpPr>
+        <p:spPr>
+          <a:xfrm rot="5400000">
+            <a:off x="3113281" y="4026598"/>
             <a:ext cx="3496203" cy="1338971"/>
           </a:xfrm>
           <a:prstGeom prst="bentConnector2">
@@ -5981,141 +6256,6 @@
               <a:schemeClr val="accent3"/>
             </a:solidFill>
             <a:prstDash val="sysDot"/>
-            <a:headEnd type="none" w="med" len="med"/>
-            <a:tailEnd type="arrow" w="med" len="med"/>
-          </a:ln>
-          <a:effectLst/>
-        </p:spPr>
-        <p:style>
-          <a:lnRef idx="1">
-            <a:schemeClr val="accent2"/>
-          </a:lnRef>
-          <a:fillRef idx="2">
-            <a:schemeClr val="accent2"/>
-          </a:fillRef>
-          <a:effectRef idx="1">
-            <a:schemeClr val="accent2"/>
-          </a:effectRef>
-          <a:fontRef idx="minor">
-            <a:schemeClr val="dk1"/>
-          </a:fontRef>
-        </p:style>
-        <p:txBody>
-          <a:bodyPr rtlCol="0" anchor="ctr"/>
-          <a:lstStyle/>
-          <a:p>
-            <a:pPr algn="ctr"/>
-            <a:endParaRPr lang="en-SG"/>
-          </a:p>
-        </p:txBody>
-      </p:sp>
-      <p:sp>
-        <p:nvSpPr>
-          <p:cNvPr id="143" name="Rectangle 142"/>
-          <p:cNvSpPr/>
-          <p:nvPr/>
-        </p:nvSpPr>
-        <p:spPr>
-          <a:xfrm>
-            <a:off x="5435896" y="2743200"/>
-            <a:ext cx="229325" cy="166560"/>
-          </a:xfrm>
-          <a:prstGeom prst="rect">
-            <a:avLst/>
-          </a:prstGeom>
-          <a:solidFill>
-            <a:schemeClr val="accent3">
-              <a:lumMod val="20000"/>
-              <a:lumOff val="80000"/>
-              <a:alpha val="80000"/>
-            </a:schemeClr>
-          </a:solidFill>
-          <a:ln>
-            <a:noFill/>
-          </a:ln>
-          <a:effectLst>
-            <a:softEdge rad="31750"/>
-          </a:effectLst>
-        </p:spPr>
-        <p:style>
-          <a:lnRef idx="2">
-            <a:schemeClr val="accent1">
-              <a:shade val="50000"/>
-            </a:schemeClr>
-          </a:lnRef>
-          <a:fillRef idx="1">
-            <a:schemeClr val="accent1"/>
-          </a:fillRef>
-          <a:effectRef idx="0">
-            <a:schemeClr val="accent1"/>
-          </a:effectRef>
-          <a:fontRef idx="minor">
-            <a:schemeClr val="lt1"/>
-          </a:fontRef>
-        </p:style>
-        <p:txBody>
-          <a:bodyPr rtlCol="0" anchor="ctr"/>
-          <a:lstStyle/>
-          <a:p>
-            <a:pPr algn="ctr"/>
-            <a:endParaRPr lang="en-SG"/>
-          </a:p>
-        </p:txBody>
-      </p:sp>
-      <p:sp>
-        <p:nvSpPr>
-          <p:cNvPr id="116" name="Freeform 115"/>
-          <p:cNvSpPr/>
-          <p:nvPr/>
-        </p:nvSpPr>
-        <p:spPr>
-          <a:xfrm>
-            <a:off x="3733799" y="2828802"/>
-            <a:ext cx="3001715" cy="142997"/>
-          </a:xfrm>
-          <a:custGeom>
-            <a:avLst/>
-            <a:gdLst>
-              <a:gd name="connsiteX0" fmla="*/ 0 w 3048000"/>
-              <a:gd name="connsiteY0" fmla="*/ 203200 h 203200"/>
-              <a:gd name="connsiteX1" fmla="*/ 221673 w 3048000"/>
-              <a:gd name="connsiteY1" fmla="*/ 0 h 203200"/>
-              <a:gd name="connsiteX2" fmla="*/ 3048000 w 3048000"/>
-              <a:gd name="connsiteY2" fmla="*/ 0 h 203200"/>
-            </a:gdLst>
-            <a:ahLst/>
-            <a:cxnLst>
-              <a:cxn ang="0">
-                <a:pos x="connsiteX0" y="connsiteY0"/>
-              </a:cxn>
-              <a:cxn ang="0">
-                <a:pos x="connsiteX1" y="connsiteY1"/>
-              </a:cxn>
-              <a:cxn ang="0">
-                <a:pos x="connsiteX2" y="connsiteY2"/>
-              </a:cxn>
-            </a:cxnLst>
-            <a:rect l="l" t="t" r="r" b="b"/>
-            <a:pathLst>
-              <a:path w="3048000" h="203200">
-                <a:moveTo>
-                  <a:pt x="0" y="203200"/>
-                </a:moveTo>
-                <a:lnTo>
-                  <a:pt x="221673" y="0"/>
-                </a:lnTo>
-                <a:lnTo>
-                  <a:pt x="3048000" y="0"/>
-                </a:lnTo>
-              </a:path>
-            </a:pathLst>
-          </a:custGeom>
-          <a:noFill/>
-          <a:ln w="19050">
-            <a:solidFill>
-              <a:schemeClr val="accent3"/>
-            </a:solidFill>
-            <a:prstDash val="solid"/>
             <a:headEnd type="none" w="med" len="med"/>
             <a:tailEnd type="arrow" w="med" len="med"/>
           </a:ln>
